--- a/WeBike.pptx
+++ b/WeBike.pptx
@@ -5,7 +5,7 @@
     <p:sldMasterId id="2147483672" r:id="rId1"/>
   </p:sldMasterIdLst>
   <p:notesMasterIdLst>
-    <p:notesMasterId r:id="rId7"/>
+    <p:notesMasterId r:id="rId11"/>
   </p:notesMasterIdLst>
   <p:sldIdLst>
     <p:sldId id="256" r:id="rId2"/>
@@ -13,6 +13,10 @@
     <p:sldId id="259" r:id="rId4"/>
     <p:sldId id="258" r:id="rId5"/>
     <p:sldId id="261" r:id="rId6"/>
+    <p:sldId id="262" r:id="rId7"/>
+    <p:sldId id="264" r:id="rId8"/>
+    <p:sldId id="265" r:id="rId9"/>
+    <p:sldId id="266" r:id="rId10"/>
   </p:sldIdLst>
   <p:sldSz cx="12192000" cy="6858000"/>
   <p:notesSz cx="6858000" cy="9144000"/>
@@ -6051,6 +6055,900 @@
     <p:extLst>
       <p:ext uri="{BB962C8B-B14F-4D97-AF65-F5344CB8AC3E}">
         <p14:creationId xmlns:p14="http://schemas.microsoft.com/office/powerpoint/2010/main" val="1559922519"/>
+      </p:ext>
+    </p:extLst>
+  </p:cSld>
+  <p:clrMapOvr>
+    <a:masterClrMapping/>
+  </p:clrMapOvr>
+  <p:timing>
+    <p:tnLst>
+      <p:par>
+        <p:cTn id="1" dur="indefinite" restart="never" nodeType="tmRoot"/>
+      </p:par>
+    </p:tnLst>
+  </p:timing>
+</p:sld>
+</file>
+
+<file path=ppt/slides/slide6.xml><?xml version="1.0" encoding="utf-8"?>
+<p:sld xmlns:a="http://schemas.openxmlformats.org/drawingml/2006/main" xmlns:r="http://schemas.openxmlformats.org/officeDocument/2006/relationships" xmlns:p="http://schemas.openxmlformats.org/presentationml/2006/main">
+  <p:cSld>
+    <p:spTree>
+      <p:nvGrpSpPr>
+        <p:cNvPr id="1" name=""/>
+        <p:cNvGrpSpPr/>
+        <p:nvPr/>
+      </p:nvGrpSpPr>
+      <p:grpSpPr>
+        <a:xfrm>
+          <a:off x="0" y="0"/>
+          <a:ext cx="0" cy="0"/>
+          <a:chOff x="0" y="0"/>
+          <a:chExt cx="0" cy="0"/>
+        </a:xfrm>
+      </p:grpSpPr>
+      <p:sp>
+        <p:nvSpPr>
+          <p:cNvPr id="2" name="Titre 1"/>
+          <p:cNvSpPr>
+            <a:spLocks noGrp="1"/>
+          </p:cNvSpPr>
+          <p:nvPr>
+            <p:ph type="title"/>
+          </p:nvPr>
+        </p:nvSpPr>
+        <p:spPr/>
+        <p:txBody>
+          <a:bodyPr/>
+          <a:lstStyle/>
+          <a:p>
+            <a:r>
+              <a:rPr lang="fr-FR" dirty="0" smtClean="0"/>
+              <a:t>Architecture – coté client (1/4)</a:t>
+            </a:r>
+            <a:endParaRPr lang="fr-FR" dirty="0"/>
+          </a:p>
+        </p:txBody>
+      </p:sp>
+      <p:sp>
+        <p:nvSpPr>
+          <p:cNvPr id="3" name="Espace réservé du contenu 2"/>
+          <p:cNvSpPr>
+            <a:spLocks noGrp="1"/>
+          </p:cNvSpPr>
+          <p:nvPr>
+            <p:ph idx="1"/>
+          </p:nvPr>
+        </p:nvSpPr>
+        <p:spPr/>
+        <p:txBody>
+          <a:bodyPr/>
+          <a:lstStyle/>
+          <a:p>
+            <a:pPr lvl="1">
+              <a:buFont typeface="Wingdings" panose="05000000000000000000" pitchFamily="2" charset="2"/>
+              <a:buChar char="Ø"/>
+            </a:pPr>
+            <a:endParaRPr lang="fr-FR" dirty="0" smtClean="0"/>
+          </a:p>
+          <a:p>
+            <a:pPr lvl="1">
+              <a:buFont typeface="Wingdings" panose="05000000000000000000" pitchFamily="2" charset="2"/>
+              <a:buChar char="Ø"/>
+            </a:pPr>
+            <a:r>
+              <a:rPr lang="fr-FR" sz="2800" dirty="0"/>
+              <a:t> </a:t>
+            </a:r>
+            <a:r>
+              <a:rPr lang="fr-FR" sz="2800" b="1" dirty="0" err="1" smtClean="0"/>
+              <a:t>Routing</a:t>
+            </a:r>
+            <a:r>
+              <a:rPr lang="fr-FR" sz="2800" dirty="0" smtClean="0"/>
+              <a:t> et </a:t>
+            </a:r>
+            <a:r>
+              <a:rPr lang="fr-FR" sz="2800" b="1" dirty="0" err="1" smtClean="0"/>
+              <a:t>Templating</a:t>
+            </a:r>
+            <a:endParaRPr lang="fr-FR" sz="2800" b="1" dirty="0" smtClean="0"/>
+          </a:p>
+          <a:p>
+            <a:pPr lvl="1">
+              <a:buFont typeface="Wingdings" panose="05000000000000000000" pitchFamily="2" charset="2"/>
+              <a:buChar char="Ø"/>
+            </a:pPr>
+            <a:endParaRPr lang="fr-FR" sz="2800" b="1" dirty="0" smtClean="0"/>
+          </a:p>
+          <a:p>
+            <a:pPr lvl="2">
+              <a:buFont typeface="Wingdings" panose="05000000000000000000" pitchFamily="2" charset="2"/>
+              <a:buChar char="§"/>
+            </a:pPr>
+            <a:r>
+              <a:rPr lang="fr-FR" sz="2400" dirty="0" smtClean="0"/>
+              <a:t> Application one page</a:t>
+            </a:r>
+          </a:p>
+          <a:p>
+            <a:pPr lvl="2">
+              <a:buFont typeface="Wingdings" panose="05000000000000000000" pitchFamily="2" charset="2"/>
+              <a:buChar char="§"/>
+            </a:pPr>
+            <a:endParaRPr lang="fr-FR" sz="2400" dirty="0" smtClean="0"/>
+          </a:p>
+          <a:p>
+            <a:pPr lvl="2">
+              <a:buFont typeface="Wingdings" panose="05000000000000000000" pitchFamily="2" charset="2"/>
+              <a:buChar char="§"/>
+            </a:pPr>
+            <a:r>
+              <a:rPr lang="fr-FR" sz="2400" b="1" dirty="0" smtClean="0"/>
+              <a:t> </a:t>
+            </a:r>
+            <a:r>
+              <a:rPr lang="fr-FR" sz="2400" dirty="0" smtClean="0"/>
+              <a:t>1 page HTML globale + 1 vue par ‘section’</a:t>
+            </a:r>
+          </a:p>
+          <a:p>
+            <a:pPr lvl="2">
+              <a:buFont typeface="Wingdings" panose="05000000000000000000" pitchFamily="2" charset="2"/>
+              <a:buChar char="Ø"/>
+            </a:pPr>
+            <a:endParaRPr lang="fr-FR" sz="2400" dirty="0"/>
+          </a:p>
+        </p:txBody>
+      </p:sp>
+      <p:sp>
+        <p:nvSpPr>
+          <p:cNvPr id="4" name="Espace réservé du numéro de diapositive 3"/>
+          <p:cNvSpPr>
+            <a:spLocks noGrp="1"/>
+          </p:cNvSpPr>
+          <p:nvPr>
+            <p:ph type="sldNum" sz="quarter" idx="12"/>
+          </p:nvPr>
+        </p:nvSpPr>
+        <p:spPr/>
+        <p:txBody>
+          <a:bodyPr/>
+          <a:lstStyle/>
+          <a:p>
+            <a:fld id="{4E3AC6AE-89F5-414A-A8B7-DD18C1B46AB5}" type="slidenum">
+              <a:rPr lang="fr-FR" smtClean="0"/>
+              <a:t>6</a:t>
+            </a:fld>
+            <a:endParaRPr lang="fr-FR"/>
+          </a:p>
+        </p:txBody>
+      </p:sp>
+      <p:pic>
+        <p:nvPicPr>
+          <p:cNvPr id="6" name="Image 5"/>
+          <p:cNvPicPr>
+            <a:picLocks noChangeAspect="1"/>
+          </p:cNvPicPr>
+          <p:nvPr/>
+        </p:nvPicPr>
+        <p:blipFill>
+          <a:blip r:embed="rId2">
+            <a:extLst>
+              <a:ext uri="{28A0092B-C50C-407E-A947-70E740481C1C}">
+                <a14:useLocalDpi xmlns:a14="http://schemas.microsoft.com/office/drawing/2010/main" val="0"/>
+              </a:ext>
+            </a:extLst>
+          </a:blip>
+          <a:stretch>
+            <a:fillRect/>
+          </a:stretch>
+        </p:blipFill>
+        <p:spPr>
+          <a:xfrm>
+            <a:off x="7700797" y="2249214"/>
+            <a:ext cx="3873744" cy="3843868"/>
+          </a:xfrm>
+          <a:prstGeom prst="rect">
+            <a:avLst/>
+          </a:prstGeom>
+        </p:spPr>
+      </p:pic>
+    </p:spTree>
+    <p:extLst>
+      <p:ext uri="{BB962C8B-B14F-4D97-AF65-F5344CB8AC3E}">
+        <p14:creationId xmlns:p14="http://schemas.microsoft.com/office/powerpoint/2010/main" val="3147073337"/>
+      </p:ext>
+    </p:extLst>
+  </p:cSld>
+  <p:clrMapOvr>
+    <a:masterClrMapping/>
+  </p:clrMapOvr>
+  <p:timing>
+    <p:tnLst>
+      <p:par>
+        <p:cTn id="1" dur="indefinite" restart="never" nodeType="tmRoot"/>
+      </p:par>
+    </p:tnLst>
+  </p:timing>
+</p:sld>
+</file>
+
+<file path=ppt/slides/slide7.xml><?xml version="1.0" encoding="utf-8"?>
+<p:sld xmlns:a="http://schemas.openxmlformats.org/drawingml/2006/main" xmlns:r="http://schemas.openxmlformats.org/officeDocument/2006/relationships" xmlns:p="http://schemas.openxmlformats.org/presentationml/2006/main">
+  <p:cSld>
+    <p:spTree>
+      <p:nvGrpSpPr>
+        <p:cNvPr id="1" name=""/>
+        <p:cNvGrpSpPr/>
+        <p:nvPr/>
+      </p:nvGrpSpPr>
+      <p:grpSpPr>
+        <a:xfrm>
+          <a:off x="0" y="0"/>
+          <a:ext cx="0" cy="0"/>
+          <a:chOff x="0" y="0"/>
+          <a:chExt cx="0" cy="0"/>
+        </a:xfrm>
+      </p:grpSpPr>
+      <p:sp>
+        <p:nvSpPr>
+          <p:cNvPr id="2" name="Titre 1"/>
+          <p:cNvSpPr>
+            <a:spLocks noGrp="1"/>
+          </p:cNvSpPr>
+          <p:nvPr>
+            <p:ph type="title"/>
+          </p:nvPr>
+        </p:nvSpPr>
+        <p:spPr/>
+        <p:txBody>
+          <a:bodyPr/>
+          <a:lstStyle/>
+          <a:p>
+            <a:r>
+              <a:rPr lang="fr-FR" dirty="0" smtClean="0"/>
+              <a:t>Architecture – coté client (2/4</a:t>
+            </a:r>
+            <a:r>
+              <a:rPr lang="fr-FR" dirty="0"/>
+              <a:t>)</a:t>
+            </a:r>
+          </a:p>
+        </p:txBody>
+      </p:sp>
+      <p:sp>
+        <p:nvSpPr>
+          <p:cNvPr id="3" name="Espace réservé du contenu 2"/>
+          <p:cNvSpPr>
+            <a:spLocks noGrp="1"/>
+          </p:cNvSpPr>
+          <p:nvPr>
+            <p:ph idx="1"/>
+          </p:nvPr>
+        </p:nvSpPr>
+        <p:spPr/>
+        <p:txBody>
+          <a:bodyPr/>
+          <a:lstStyle/>
+          <a:p>
+            <a:pPr lvl="1">
+              <a:buFont typeface="Wingdings" panose="05000000000000000000" pitchFamily="2" charset="2"/>
+              <a:buChar char="Ø"/>
+            </a:pPr>
+            <a:endParaRPr lang="fr-FR" dirty="0" smtClean="0"/>
+          </a:p>
+          <a:p>
+            <a:pPr lvl="1">
+              <a:buFont typeface="Wingdings" panose="05000000000000000000" pitchFamily="2" charset="2"/>
+              <a:buChar char="Ø"/>
+            </a:pPr>
+            <a:r>
+              <a:rPr lang="fr-FR" sz="2800" dirty="0"/>
+              <a:t> </a:t>
+            </a:r>
+            <a:r>
+              <a:rPr lang="fr-FR" sz="2800" b="1" dirty="0" smtClean="0"/>
+              <a:t>Contrôleurs</a:t>
+            </a:r>
+          </a:p>
+          <a:p>
+            <a:pPr lvl="1">
+              <a:buFont typeface="Wingdings" panose="05000000000000000000" pitchFamily="2" charset="2"/>
+              <a:buChar char="Ø"/>
+            </a:pPr>
+            <a:endParaRPr lang="fr-FR" sz="2800" b="1" dirty="0" smtClean="0"/>
+          </a:p>
+          <a:p>
+            <a:pPr lvl="2">
+              <a:buFont typeface="Wingdings" panose="05000000000000000000" pitchFamily="2" charset="2"/>
+              <a:buChar char="§"/>
+            </a:pPr>
+            <a:r>
+              <a:rPr lang="fr-FR" sz="2400" dirty="0" smtClean="0"/>
+              <a:t> Un contrôleur principal</a:t>
+            </a:r>
+          </a:p>
+          <a:p>
+            <a:pPr lvl="3">
+              <a:buFontTx/>
+              <a:buChar char="-"/>
+            </a:pPr>
+            <a:r>
+              <a:rPr lang="fr-FR" sz="2400" dirty="0" smtClean="0"/>
+              <a:t>Gestion des notifications</a:t>
+            </a:r>
+          </a:p>
+          <a:p>
+            <a:pPr lvl="3">
+              <a:buFontTx/>
+              <a:buChar char="-"/>
+            </a:pPr>
+            <a:r>
+              <a:rPr lang="fr-FR" sz="2400" dirty="0" smtClean="0"/>
+              <a:t>Gestion de la top-bar</a:t>
+            </a:r>
+          </a:p>
+          <a:p>
+            <a:pPr lvl="2">
+              <a:buFont typeface="Wingdings" panose="05000000000000000000" pitchFamily="2" charset="2"/>
+              <a:buChar char="§"/>
+            </a:pPr>
+            <a:endParaRPr lang="fr-FR" sz="2400" dirty="0" smtClean="0"/>
+          </a:p>
+          <a:p>
+            <a:pPr lvl="2">
+              <a:buFont typeface="Wingdings" panose="05000000000000000000" pitchFamily="2" charset="2"/>
+              <a:buChar char="§"/>
+            </a:pPr>
+            <a:r>
+              <a:rPr lang="fr-FR" sz="2400" b="1" dirty="0" smtClean="0"/>
+              <a:t> </a:t>
+            </a:r>
+            <a:r>
+              <a:rPr lang="fr-FR" sz="2400" dirty="0" smtClean="0"/>
+              <a:t>+ un contrôleur par ‘section’</a:t>
+            </a:r>
+          </a:p>
+          <a:p>
+            <a:pPr lvl="2">
+              <a:buFont typeface="Wingdings" panose="05000000000000000000" pitchFamily="2" charset="2"/>
+              <a:buChar char="Ø"/>
+            </a:pPr>
+            <a:endParaRPr lang="fr-FR" sz="2400" dirty="0"/>
+          </a:p>
+        </p:txBody>
+      </p:sp>
+      <p:sp>
+        <p:nvSpPr>
+          <p:cNvPr id="4" name="Espace réservé du numéro de diapositive 3"/>
+          <p:cNvSpPr>
+            <a:spLocks noGrp="1"/>
+          </p:cNvSpPr>
+          <p:nvPr>
+            <p:ph type="sldNum" sz="quarter" idx="12"/>
+          </p:nvPr>
+        </p:nvSpPr>
+        <p:spPr/>
+        <p:txBody>
+          <a:bodyPr/>
+          <a:lstStyle/>
+          <a:p>
+            <a:fld id="{4E3AC6AE-89F5-414A-A8B7-DD18C1B46AB5}" type="slidenum">
+              <a:rPr lang="fr-FR" smtClean="0"/>
+              <a:t>7</a:t>
+            </a:fld>
+            <a:endParaRPr lang="fr-FR"/>
+          </a:p>
+        </p:txBody>
+      </p:sp>
+    </p:spTree>
+    <p:extLst>
+      <p:ext uri="{BB962C8B-B14F-4D97-AF65-F5344CB8AC3E}">
+        <p14:creationId xmlns:p14="http://schemas.microsoft.com/office/powerpoint/2010/main" val="3627182621"/>
+      </p:ext>
+    </p:extLst>
+  </p:cSld>
+  <p:clrMapOvr>
+    <a:masterClrMapping/>
+  </p:clrMapOvr>
+  <p:timing>
+    <p:tnLst>
+      <p:par>
+        <p:cTn id="1" dur="indefinite" restart="never" nodeType="tmRoot"/>
+      </p:par>
+    </p:tnLst>
+  </p:timing>
+</p:sld>
+</file>
+
+<file path=ppt/slides/slide8.xml><?xml version="1.0" encoding="utf-8"?>
+<p:sld xmlns:a="http://schemas.openxmlformats.org/drawingml/2006/main" xmlns:r="http://schemas.openxmlformats.org/officeDocument/2006/relationships" xmlns:p="http://schemas.openxmlformats.org/presentationml/2006/main">
+  <p:cSld>
+    <p:spTree>
+      <p:nvGrpSpPr>
+        <p:cNvPr id="1" name=""/>
+        <p:cNvGrpSpPr/>
+        <p:nvPr/>
+      </p:nvGrpSpPr>
+      <p:grpSpPr>
+        <a:xfrm>
+          <a:off x="0" y="0"/>
+          <a:ext cx="0" cy="0"/>
+          <a:chOff x="0" y="0"/>
+          <a:chExt cx="0" cy="0"/>
+        </a:xfrm>
+      </p:grpSpPr>
+      <p:sp>
+        <p:nvSpPr>
+          <p:cNvPr id="2" name="Titre 1"/>
+          <p:cNvSpPr>
+            <a:spLocks noGrp="1"/>
+          </p:cNvSpPr>
+          <p:nvPr>
+            <p:ph type="title"/>
+          </p:nvPr>
+        </p:nvSpPr>
+        <p:spPr/>
+        <p:txBody>
+          <a:bodyPr/>
+          <a:lstStyle/>
+          <a:p>
+            <a:r>
+              <a:rPr lang="fr-FR" dirty="0" smtClean="0"/>
+              <a:t>Architecture – coté client (3/4</a:t>
+            </a:r>
+            <a:r>
+              <a:rPr lang="fr-FR" dirty="0"/>
+              <a:t>)</a:t>
+            </a:r>
+          </a:p>
+        </p:txBody>
+      </p:sp>
+      <p:sp>
+        <p:nvSpPr>
+          <p:cNvPr id="3" name="Espace réservé du contenu 2"/>
+          <p:cNvSpPr>
+            <a:spLocks noGrp="1"/>
+          </p:cNvSpPr>
+          <p:nvPr>
+            <p:ph idx="1"/>
+          </p:nvPr>
+        </p:nvSpPr>
+        <p:spPr/>
+        <p:txBody>
+          <a:bodyPr/>
+          <a:lstStyle/>
+          <a:p>
+            <a:pPr lvl="1">
+              <a:buFont typeface="Wingdings" panose="05000000000000000000" pitchFamily="2" charset="2"/>
+              <a:buChar char="Ø"/>
+            </a:pPr>
+            <a:endParaRPr lang="fr-FR" dirty="0" smtClean="0"/>
+          </a:p>
+          <a:p>
+            <a:pPr lvl="1">
+              <a:buFont typeface="Wingdings" panose="05000000000000000000" pitchFamily="2" charset="2"/>
+              <a:buChar char="Ø"/>
+            </a:pPr>
+            <a:r>
+              <a:rPr lang="fr-FR" sz="2800" dirty="0"/>
+              <a:t> </a:t>
+            </a:r>
+            <a:r>
+              <a:rPr lang="fr-FR" sz="2800" b="1" dirty="0" smtClean="0"/>
+              <a:t>Service d’authentification</a:t>
+            </a:r>
+          </a:p>
+          <a:p>
+            <a:pPr lvl="1">
+              <a:buFont typeface="Wingdings" panose="05000000000000000000" pitchFamily="2" charset="2"/>
+              <a:buChar char="Ø"/>
+            </a:pPr>
+            <a:endParaRPr lang="fr-FR" sz="2800" b="1" dirty="0" smtClean="0"/>
+          </a:p>
+          <a:p>
+            <a:pPr lvl="2">
+              <a:buFont typeface="Wingdings" panose="05000000000000000000" pitchFamily="2" charset="2"/>
+              <a:buChar char="§"/>
+            </a:pPr>
+            <a:r>
+              <a:rPr lang="fr-FR" sz="2400" dirty="0" smtClean="0"/>
+              <a:t> Une </a:t>
+            </a:r>
+            <a:r>
+              <a:rPr lang="fr-FR" sz="2400" dirty="0" err="1" smtClean="0"/>
+              <a:t>factory</a:t>
+            </a:r>
+            <a:r>
+              <a:rPr lang="fr-FR" sz="2400" dirty="0" smtClean="0"/>
+              <a:t> Authentification :</a:t>
+            </a:r>
+          </a:p>
+          <a:p>
+            <a:pPr lvl="3">
+              <a:buFontTx/>
+              <a:buChar char="-"/>
+            </a:pPr>
+            <a:r>
+              <a:rPr lang="fr-FR" sz="2400" dirty="0" smtClean="0"/>
+              <a:t>Login via l’API</a:t>
+            </a:r>
+          </a:p>
+          <a:p>
+            <a:pPr lvl="3">
+              <a:buFontTx/>
+              <a:buChar char="-"/>
+            </a:pPr>
+            <a:r>
+              <a:rPr lang="fr-FR" sz="2400" dirty="0" smtClean="0"/>
+              <a:t>Stockage de la session dans un cookie</a:t>
+            </a:r>
+          </a:p>
+          <a:p>
+            <a:pPr lvl="3">
+              <a:buFontTx/>
+              <a:buChar char="-"/>
+            </a:pPr>
+            <a:endParaRPr lang="fr-FR" sz="2400" dirty="0" smtClean="0"/>
+          </a:p>
+          <a:p>
+            <a:pPr lvl="2">
+              <a:buFont typeface="Wingdings" panose="05000000000000000000" pitchFamily="2" charset="2"/>
+              <a:buChar char="§"/>
+            </a:pPr>
+            <a:r>
+              <a:rPr lang="fr-FR" sz="2400" dirty="0" smtClean="0"/>
+              <a:t> Dans </a:t>
+            </a:r>
+            <a:r>
+              <a:rPr lang="fr-FR" sz="2000" b="1" dirty="0" err="1" smtClean="0">
+                <a:latin typeface="Consolas" panose="020B0609020204030204" pitchFamily="49" charset="0"/>
+                <a:cs typeface="Consolas" panose="020B0609020204030204" pitchFamily="49" charset="0"/>
+              </a:rPr>
+              <a:t>run</a:t>
+            </a:r>
+            <a:r>
+              <a:rPr lang="fr-FR" sz="2000" b="1" dirty="0" smtClean="0">
+                <a:latin typeface="Consolas" panose="020B0609020204030204" pitchFamily="49" charset="0"/>
+                <a:cs typeface="Consolas" panose="020B0609020204030204" pitchFamily="49" charset="0"/>
+              </a:rPr>
+              <a:t>() </a:t>
+            </a:r>
+            <a:r>
+              <a:rPr lang="fr-FR" sz="2400" dirty="0" smtClean="0"/>
+              <a:t>:</a:t>
+            </a:r>
+          </a:p>
+          <a:p>
+            <a:pPr lvl="3">
+              <a:buFontTx/>
+              <a:buChar char="-"/>
+            </a:pPr>
+            <a:r>
+              <a:rPr lang="fr-FR" sz="2400" dirty="0" smtClean="0"/>
+              <a:t>Test d’authentification &amp; redirection</a:t>
+            </a:r>
+          </a:p>
+          <a:p>
+            <a:pPr marL="566928" lvl="3" indent="0">
+              <a:buNone/>
+            </a:pPr>
+            <a:endParaRPr lang="fr-FR" sz="2400" dirty="0"/>
+          </a:p>
+        </p:txBody>
+      </p:sp>
+      <p:sp>
+        <p:nvSpPr>
+          <p:cNvPr id="4" name="Espace réservé du numéro de diapositive 3"/>
+          <p:cNvSpPr>
+            <a:spLocks noGrp="1"/>
+          </p:cNvSpPr>
+          <p:nvPr>
+            <p:ph type="sldNum" sz="quarter" idx="12"/>
+          </p:nvPr>
+        </p:nvSpPr>
+        <p:spPr/>
+        <p:txBody>
+          <a:bodyPr/>
+          <a:lstStyle/>
+          <a:p>
+            <a:fld id="{4E3AC6AE-89F5-414A-A8B7-DD18C1B46AB5}" type="slidenum">
+              <a:rPr lang="fr-FR" smtClean="0"/>
+              <a:t>8</a:t>
+            </a:fld>
+            <a:endParaRPr lang="fr-FR"/>
+          </a:p>
+        </p:txBody>
+      </p:sp>
+    </p:spTree>
+    <p:extLst>
+      <p:ext uri="{BB962C8B-B14F-4D97-AF65-F5344CB8AC3E}">
+        <p14:creationId xmlns:p14="http://schemas.microsoft.com/office/powerpoint/2010/main" val="404273284"/>
+      </p:ext>
+    </p:extLst>
+  </p:cSld>
+  <p:clrMapOvr>
+    <a:masterClrMapping/>
+  </p:clrMapOvr>
+  <p:timing>
+    <p:tnLst>
+      <p:par>
+        <p:cTn id="1" dur="indefinite" restart="never" nodeType="tmRoot"/>
+      </p:par>
+    </p:tnLst>
+  </p:timing>
+</p:sld>
+</file>
+
+<file path=ppt/slides/slide9.xml><?xml version="1.0" encoding="utf-8"?>
+<p:sld xmlns:a="http://schemas.openxmlformats.org/drawingml/2006/main" xmlns:r="http://schemas.openxmlformats.org/officeDocument/2006/relationships" xmlns:p="http://schemas.openxmlformats.org/presentationml/2006/main">
+  <p:cSld>
+    <p:spTree>
+      <p:nvGrpSpPr>
+        <p:cNvPr id="1" name=""/>
+        <p:cNvGrpSpPr/>
+        <p:nvPr/>
+      </p:nvGrpSpPr>
+      <p:grpSpPr>
+        <a:xfrm>
+          <a:off x="0" y="0"/>
+          <a:ext cx="0" cy="0"/>
+          <a:chOff x="0" y="0"/>
+          <a:chExt cx="0" cy="0"/>
+        </a:xfrm>
+      </p:grpSpPr>
+      <p:sp>
+        <p:nvSpPr>
+          <p:cNvPr id="2" name="Titre 1"/>
+          <p:cNvSpPr>
+            <a:spLocks noGrp="1"/>
+          </p:cNvSpPr>
+          <p:nvPr>
+            <p:ph type="title"/>
+          </p:nvPr>
+        </p:nvSpPr>
+        <p:spPr/>
+        <p:txBody>
+          <a:bodyPr/>
+          <a:lstStyle/>
+          <a:p>
+            <a:r>
+              <a:rPr lang="fr-FR" dirty="0" smtClean="0"/>
+              <a:t>Architecture – coté client (4/4</a:t>
+            </a:r>
+            <a:r>
+              <a:rPr lang="fr-FR" dirty="0"/>
+              <a:t>)</a:t>
+            </a:r>
+          </a:p>
+        </p:txBody>
+      </p:sp>
+      <p:sp>
+        <p:nvSpPr>
+          <p:cNvPr id="3" name="Espace réservé du contenu 2"/>
+          <p:cNvSpPr>
+            <a:spLocks noGrp="1"/>
+          </p:cNvSpPr>
+          <p:nvPr>
+            <p:ph idx="1"/>
+          </p:nvPr>
+        </p:nvSpPr>
+        <p:spPr/>
+        <p:txBody>
+          <a:bodyPr/>
+          <a:lstStyle/>
+          <a:p>
+            <a:pPr lvl="1">
+              <a:buFont typeface="Wingdings" panose="05000000000000000000" pitchFamily="2" charset="2"/>
+              <a:buChar char="Ø"/>
+            </a:pPr>
+            <a:endParaRPr lang="fr-FR" dirty="0" smtClean="0"/>
+          </a:p>
+          <a:p>
+            <a:pPr lvl="1">
+              <a:buFont typeface="Wingdings" panose="05000000000000000000" pitchFamily="2" charset="2"/>
+              <a:buChar char="Ø"/>
+            </a:pPr>
+            <a:r>
+              <a:rPr lang="fr-FR" sz="2800" dirty="0"/>
+              <a:t> </a:t>
+            </a:r>
+            <a:r>
+              <a:rPr lang="fr-FR" sz="2800" b="1" dirty="0" smtClean="0"/>
+              <a:t>API</a:t>
+            </a:r>
+          </a:p>
+          <a:p>
+            <a:pPr lvl="1">
+              <a:buFont typeface="Wingdings" panose="05000000000000000000" pitchFamily="2" charset="2"/>
+              <a:buChar char="Ø"/>
+            </a:pPr>
+            <a:endParaRPr lang="fr-FR" sz="2800" b="1" dirty="0" smtClean="0"/>
+          </a:p>
+          <a:p>
+            <a:pPr lvl="2">
+              <a:buClr>
+                <a:srgbClr val="1CADE4"/>
+              </a:buClr>
+              <a:buFont typeface="Wingdings" panose="05000000000000000000" pitchFamily="2" charset="2"/>
+              <a:buChar char="§"/>
+            </a:pPr>
+            <a:r>
+              <a:rPr lang="fr-FR" sz="2400" dirty="0" smtClean="0">
+                <a:solidFill>
+                  <a:prstClr val="black">
+                    <a:lumMod val="75000"/>
+                    <a:lumOff val="25000"/>
+                  </a:prstClr>
+                </a:solidFill>
+              </a:rPr>
+              <a:t>User</a:t>
+            </a:r>
+          </a:p>
+          <a:p>
+            <a:pPr lvl="2">
+              <a:buClr>
+                <a:srgbClr val="1CADE4"/>
+              </a:buClr>
+              <a:buFont typeface="Wingdings" panose="05000000000000000000" pitchFamily="2" charset="2"/>
+              <a:buChar char="§"/>
+            </a:pPr>
+            <a:endParaRPr lang="fr-FR" sz="2400" dirty="0" smtClean="0">
+              <a:solidFill>
+                <a:prstClr val="black">
+                  <a:lumMod val="75000"/>
+                  <a:lumOff val="25000"/>
+                </a:prstClr>
+              </a:solidFill>
+            </a:endParaRPr>
+          </a:p>
+          <a:p>
+            <a:pPr lvl="2">
+              <a:buClr>
+                <a:srgbClr val="1CADE4"/>
+              </a:buClr>
+              <a:buFont typeface="Wingdings" panose="05000000000000000000" pitchFamily="2" charset="2"/>
+              <a:buChar char="§"/>
+            </a:pPr>
+            <a:r>
+              <a:rPr lang="fr-FR" sz="2400" dirty="0" smtClean="0">
+                <a:solidFill>
+                  <a:prstClr val="black">
+                    <a:lumMod val="75000"/>
+                    <a:lumOff val="25000"/>
+                  </a:prstClr>
+                </a:solidFill>
+              </a:rPr>
+              <a:t>Batterie</a:t>
+            </a:r>
+          </a:p>
+          <a:p>
+            <a:pPr lvl="2">
+              <a:buClr>
+                <a:srgbClr val="1CADE4"/>
+              </a:buClr>
+              <a:buFont typeface="Wingdings" panose="05000000000000000000" pitchFamily="2" charset="2"/>
+              <a:buChar char="§"/>
+            </a:pPr>
+            <a:endParaRPr lang="fr-FR" sz="2400" dirty="0" smtClean="0">
+              <a:solidFill>
+                <a:prstClr val="black">
+                  <a:lumMod val="75000"/>
+                  <a:lumOff val="25000"/>
+                </a:prstClr>
+              </a:solidFill>
+            </a:endParaRPr>
+          </a:p>
+          <a:p>
+            <a:pPr lvl="2">
+              <a:buClr>
+                <a:srgbClr val="1CADE4"/>
+              </a:buClr>
+              <a:buFont typeface="Wingdings" panose="05000000000000000000" pitchFamily="2" charset="2"/>
+              <a:buChar char="§"/>
+            </a:pPr>
+            <a:r>
+              <a:rPr lang="fr-FR" sz="2400" dirty="0" smtClean="0">
+                <a:solidFill>
+                  <a:prstClr val="black">
+                    <a:lumMod val="75000"/>
+                    <a:lumOff val="25000"/>
+                  </a:prstClr>
+                </a:solidFill>
+              </a:rPr>
+              <a:t>Itinéraires</a:t>
+            </a:r>
+            <a:endParaRPr lang="fr-FR" sz="2400" dirty="0">
+              <a:solidFill>
+                <a:prstClr val="black">
+                  <a:lumMod val="75000"/>
+                  <a:lumOff val="25000"/>
+                </a:prstClr>
+              </a:solidFill>
+            </a:endParaRPr>
+          </a:p>
+          <a:p>
+            <a:pPr lvl="1">
+              <a:buFont typeface="Wingdings" panose="05000000000000000000" pitchFamily="2" charset="2"/>
+              <a:buChar char="Ø"/>
+            </a:pPr>
+            <a:endParaRPr lang="fr-FR" sz="2800" b="1" dirty="0" smtClean="0"/>
+          </a:p>
+          <a:p>
+            <a:pPr lvl="1">
+              <a:buFont typeface="Wingdings" panose="05000000000000000000" pitchFamily="2" charset="2"/>
+              <a:buChar char="Ø"/>
+            </a:pPr>
+            <a:endParaRPr lang="fr-FR" sz="2800" b="1" dirty="0" smtClean="0"/>
+          </a:p>
+          <a:p>
+            <a:pPr lvl="1">
+              <a:buFont typeface="Wingdings" panose="05000000000000000000" pitchFamily="2" charset="2"/>
+              <a:buChar char="Ø"/>
+            </a:pPr>
+            <a:endParaRPr lang="fr-FR" sz="2800" b="1" dirty="0" smtClean="0"/>
+          </a:p>
+        </p:txBody>
+      </p:sp>
+      <p:sp>
+        <p:nvSpPr>
+          <p:cNvPr id="4" name="Espace réservé du numéro de diapositive 3"/>
+          <p:cNvSpPr>
+            <a:spLocks noGrp="1"/>
+          </p:cNvSpPr>
+          <p:nvPr>
+            <p:ph type="sldNum" sz="quarter" idx="12"/>
+          </p:nvPr>
+        </p:nvSpPr>
+        <p:spPr/>
+        <p:txBody>
+          <a:bodyPr/>
+          <a:lstStyle/>
+          <a:p>
+            <a:fld id="{4E3AC6AE-89F5-414A-A8B7-DD18C1B46AB5}" type="slidenum">
+              <a:rPr lang="fr-FR" smtClean="0"/>
+              <a:t>9</a:t>
+            </a:fld>
+            <a:endParaRPr lang="fr-FR"/>
+          </a:p>
+        </p:txBody>
+      </p:sp>
+      <p:pic>
+        <p:nvPicPr>
+          <p:cNvPr id="6" name="Image 5"/>
+          <p:cNvPicPr>
+            <a:picLocks noChangeAspect="1"/>
+          </p:cNvPicPr>
+          <p:nvPr/>
+        </p:nvPicPr>
+        <p:blipFill>
+          <a:blip r:embed="rId2">
+            <a:extLst>
+              <a:ext uri="{28A0092B-C50C-407E-A947-70E740481C1C}">
+                <a14:useLocalDpi xmlns:a14="http://schemas.microsoft.com/office/drawing/2010/main" val="0"/>
+              </a:ext>
+            </a:extLst>
+          </a:blip>
+          <a:stretch>
+            <a:fillRect/>
+          </a:stretch>
+        </p:blipFill>
+        <p:spPr>
+          <a:xfrm>
+            <a:off x="6043448" y="2031790"/>
+            <a:ext cx="5019885" cy="4132650"/>
+          </a:xfrm>
+          <a:prstGeom prst="rect">
+            <a:avLst/>
+          </a:prstGeom>
+        </p:spPr>
+      </p:pic>
+    </p:spTree>
+    <p:extLst>
+      <p:ext uri="{BB962C8B-B14F-4D97-AF65-F5344CB8AC3E}">
+        <p14:creationId xmlns:p14="http://schemas.microsoft.com/office/powerpoint/2010/main" val="3715249238"/>
       </p:ext>
     </p:extLst>
   </p:cSld>

--- a/WeBike.pptx
+++ b/WeBike.pptx
@@ -5,7 +5,7 @@
     <p:sldMasterId id="2147483672" r:id="rId1"/>
   </p:sldMasterIdLst>
   <p:notesMasterIdLst>
-    <p:notesMasterId r:id="rId11"/>
+    <p:notesMasterId r:id="rId14"/>
   </p:notesMasterIdLst>
   <p:sldIdLst>
     <p:sldId id="256" r:id="rId2"/>
@@ -17,6 +17,9 @@
     <p:sldId id="264" r:id="rId8"/>
     <p:sldId id="265" r:id="rId9"/>
     <p:sldId id="266" r:id="rId10"/>
+    <p:sldId id="267" r:id="rId11"/>
+    <p:sldId id="268" r:id="rId12"/>
+    <p:sldId id="269" r:id="rId13"/>
   </p:sldIdLst>
   <p:sldSz cx="12192000" cy="6858000"/>
   <p:notesSz cx="6858000" cy="9144000"/>
@@ -4584,6 +4587,2455 @@
 </p:sld>
 </file>
 
+<file path=ppt/slides/slide10.xml><?xml version="1.0" encoding="utf-8"?>
+<p:sld xmlns:a="http://schemas.openxmlformats.org/drawingml/2006/main" xmlns:r="http://schemas.openxmlformats.org/officeDocument/2006/relationships" xmlns:p="http://schemas.openxmlformats.org/presentationml/2006/main">
+  <p:cSld>
+    <p:spTree>
+      <p:nvGrpSpPr>
+        <p:cNvPr id="1" name=""/>
+        <p:cNvGrpSpPr/>
+        <p:nvPr/>
+      </p:nvGrpSpPr>
+      <p:grpSpPr>
+        <a:xfrm>
+          <a:off x="0" y="0"/>
+          <a:ext cx="0" cy="0"/>
+          <a:chOff x="0" y="0"/>
+          <a:chExt cx="0" cy="0"/>
+        </a:xfrm>
+      </p:grpSpPr>
+      <p:sp>
+        <p:nvSpPr>
+          <p:cNvPr id="2" name="Titre 1"/>
+          <p:cNvSpPr>
+            <a:spLocks noGrp="1"/>
+          </p:cNvSpPr>
+          <p:nvPr>
+            <p:ph type="title"/>
+          </p:nvPr>
+        </p:nvSpPr>
+        <p:spPr/>
+        <p:txBody>
+          <a:bodyPr/>
+          <a:lstStyle/>
+          <a:p>
+            <a:r>
+              <a:rPr lang="fr-FR" dirty="0" smtClean="0"/>
+              <a:t>Architecture – Coté serveur (1/2)</a:t>
+            </a:r>
+            <a:endParaRPr lang="fr-FR" dirty="0"/>
+          </a:p>
+        </p:txBody>
+      </p:sp>
+      <p:sp>
+        <p:nvSpPr>
+          <p:cNvPr id="3" name="Espace réservé du contenu 2"/>
+          <p:cNvSpPr>
+            <a:spLocks noGrp="1"/>
+          </p:cNvSpPr>
+          <p:nvPr>
+            <p:ph idx="1"/>
+          </p:nvPr>
+        </p:nvSpPr>
+        <p:spPr/>
+        <p:txBody>
+          <a:bodyPr/>
+          <a:lstStyle/>
+          <a:p>
+            <a:pPr marL="0" indent="0">
+              <a:buNone/>
+            </a:pPr>
+            <a:endParaRPr lang="fr-FR" dirty="0"/>
+          </a:p>
+          <a:p>
+            <a:pPr>
+              <a:buFont typeface="Wingdings" panose="05000000000000000000" pitchFamily="2" charset="2"/>
+              <a:buChar char="Ø"/>
+            </a:pPr>
+            <a:r>
+              <a:rPr lang="fr-FR" dirty="0" err="1" smtClean="0"/>
+              <a:t>MongoDB</a:t>
+            </a:r>
+            <a:r>
+              <a:rPr lang="fr-FR" dirty="0" smtClean="0"/>
+              <a:t> : base de données  « </a:t>
+            </a:r>
+            <a:r>
+              <a:rPr lang="fr-FR" dirty="0" err="1" smtClean="0"/>
+              <a:t>webike_db</a:t>
+            </a:r>
+            <a:r>
+              <a:rPr lang="fr-FR" dirty="0" smtClean="0"/>
+              <a:t> » composée de 3 collections</a:t>
+            </a:r>
+          </a:p>
+          <a:p>
+            <a:pPr marL="0" indent="0">
+              <a:buNone/>
+            </a:pPr>
+            <a:endParaRPr lang="fr-FR" dirty="0" smtClean="0"/>
+          </a:p>
+        </p:txBody>
+      </p:sp>
+      <p:sp>
+        <p:nvSpPr>
+          <p:cNvPr id="4" name="Espace réservé du numéro de diapositive 3"/>
+          <p:cNvSpPr>
+            <a:spLocks noGrp="1"/>
+          </p:cNvSpPr>
+          <p:nvPr>
+            <p:ph type="sldNum" sz="quarter" idx="12"/>
+          </p:nvPr>
+        </p:nvSpPr>
+        <p:spPr/>
+        <p:txBody>
+          <a:bodyPr/>
+          <a:lstStyle/>
+          <a:p>
+            <a:fld id="{4E3AC6AE-89F5-414A-A8B7-DD18C1B46AB5}" type="slidenum">
+              <a:rPr lang="fr-FR" smtClean="0"/>
+              <a:t>10</a:t>
+            </a:fld>
+            <a:endParaRPr lang="fr-FR"/>
+          </a:p>
+        </p:txBody>
+      </p:sp>
+      <p:sp>
+        <p:nvSpPr>
+          <p:cNvPr id="10" name="Rectangle 3"/>
+          <p:cNvSpPr>
+            <a:spLocks noChangeArrowheads="1"/>
+          </p:cNvSpPr>
+          <p:nvPr/>
+        </p:nvSpPr>
+        <p:spPr bwMode="auto">
+          <a:xfrm>
+            <a:off x="472364" y="3462606"/>
+            <a:ext cx="3177473" cy="1323439"/>
+          </a:xfrm>
+          <a:prstGeom prst="rect">
+            <a:avLst/>
+          </a:prstGeom>
+          <a:ln w="6350">
+            <a:solidFill>
+              <a:schemeClr val="tx1">
+                <a:lumMod val="75000"/>
+                <a:lumOff val="25000"/>
+              </a:schemeClr>
+            </a:solidFill>
+          </a:ln>
+        </p:spPr>
+        <p:style>
+          <a:lnRef idx="1">
+            <a:schemeClr val="dk1"/>
+          </a:lnRef>
+          <a:fillRef idx="1003">
+            <a:schemeClr val="lt1"/>
+          </a:fillRef>
+          <a:effectRef idx="1">
+            <a:schemeClr val="dk1"/>
+          </a:effectRef>
+          <a:fontRef idx="minor">
+            <a:schemeClr val="dk1"/>
+          </a:fontRef>
+        </p:style>
+        <p:txBody>
+          <a:bodyPr vert="horz" wrap="none" lIns="91440" tIns="45720" rIns="91440" bIns="45720" numCol="1" anchor="ctr" anchorCtr="0" compatLnSpc="1">
+            <a:prstTxWarp prst="textNoShape">
+              <a:avLst/>
+            </a:prstTxWarp>
+            <a:spAutoFit/>
+          </a:bodyPr>
+          <a:lstStyle/>
+          <a:p>
+            <a:pPr marL="0" marR="0" lvl="0" indent="0" algn="just" defTabSz="914400" rtl="0" eaLnBrk="0" fontAlgn="base" latinLnBrk="0" hangingPunct="0">
+              <a:lnSpc>
+                <a:spcPct val="100000"/>
+              </a:lnSpc>
+              <a:spcBef>
+                <a:spcPct val="0"/>
+              </a:spcBef>
+              <a:spcAft>
+                <a:spcPct val="0"/>
+              </a:spcAft>
+              <a:buClrTx/>
+              <a:buSzTx/>
+              <a:buFontTx/>
+              <a:buNone/>
+              <a:tabLst/>
+            </a:pPr>
+            <a:r>
+              <a:rPr kumimoji="0" lang="fr-FR" sz="1000" b="0" i="0" u="none" strike="noStrike" cap="none" normalizeH="0" baseline="0" dirty="0" smtClean="0">
+                <a:ln>
+                  <a:noFill/>
+                </a:ln>
+                <a:solidFill>
+                  <a:schemeClr val="tx1"/>
+                </a:solidFill>
+                <a:effectLst/>
+                <a:latin typeface="Arial Unicode MS" panose="020B0604020202020204" pitchFamily="34" charset="-128"/>
+              </a:rPr>
+              <a:t>{ </a:t>
+            </a:r>
+          </a:p>
+          <a:p>
+            <a:pPr marL="0" marR="0" lvl="0" indent="0" algn="just" defTabSz="914400" rtl="0" eaLnBrk="0" fontAlgn="base" latinLnBrk="0" hangingPunct="0">
+              <a:lnSpc>
+                <a:spcPct val="100000"/>
+              </a:lnSpc>
+              <a:spcBef>
+                <a:spcPct val="0"/>
+              </a:spcBef>
+              <a:spcAft>
+                <a:spcPct val="0"/>
+              </a:spcAft>
+              <a:buClrTx/>
+              <a:buSzTx/>
+              <a:buFontTx/>
+              <a:buNone/>
+              <a:tabLst/>
+            </a:pPr>
+            <a:r>
+              <a:rPr kumimoji="0" lang="fr-FR" sz="1000" b="0" i="0" u="none" strike="noStrike" cap="none" normalizeH="0" baseline="0" dirty="0" smtClean="0">
+                <a:ln>
+                  <a:noFill/>
+                </a:ln>
+                <a:solidFill>
+                  <a:schemeClr val="tx1"/>
+                </a:solidFill>
+                <a:effectLst/>
+                <a:latin typeface="Arial Unicode MS" panose="020B0604020202020204" pitchFamily="34" charset="-128"/>
+              </a:rPr>
+              <a:t>"id": 1, </a:t>
+            </a:r>
+          </a:p>
+          <a:p>
+            <a:pPr marL="0" marR="0" lvl="0" indent="0" algn="just" defTabSz="914400" rtl="0" eaLnBrk="0" fontAlgn="base" latinLnBrk="0" hangingPunct="0">
+              <a:lnSpc>
+                <a:spcPct val="100000"/>
+              </a:lnSpc>
+              <a:spcBef>
+                <a:spcPct val="0"/>
+              </a:spcBef>
+              <a:spcAft>
+                <a:spcPct val="0"/>
+              </a:spcAft>
+              <a:buClrTx/>
+              <a:buSzTx/>
+              <a:buFontTx/>
+              <a:buNone/>
+              <a:tabLst/>
+            </a:pPr>
+            <a:r>
+              <a:rPr kumimoji="0" lang="fr-FR" sz="1000" b="0" i="0" u="none" strike="noStrike" cap="none" normalizeH="0" baseline="0" dirty="0" smtClean="0">
+                <a:ln>
+                  <a:noFill/>
+                </a:ln>
+                <a:solidFill>
+                  <a:schemeClr val="tx1"/>
+                </a:solidFill>
+                <a:effectLst/>
+                <a:latin typeface="Arial Unicode MS" panose="020B0604020202020204" pitchFamily="34" charset="-128"/>
+              </a:rPr>
+              <a:t>"</a:t>
+            </a:r>
+            <a:r>
+              <a:rPr kumimoji="0" lang="fr-FR" sz="1000" b="0" i="0" u="none" strike="noStrike" cap="none" normalizeH="0" baseline="0" dirty="0" err="1" smtClean="0">
+                <a:ln>
+                  <a:noFill/>
+                </a:ln>
+                <a:solidFill>
+                  <a:schemeClr val="tx1"/>
+                </a:solidFill>
+                <a:effectLst/>
+                <a:latin typeface="Arial Unicode MS" panose="020B0604020202020204" pitchFamily="34" charset="-128"/>
+              </a:rPr>
+              <a:t>charging</a:t>
+            </a:r>
+            <a:r>
+              <a:rPr kumimoji="0" lang="fr-FR" sz="1000" b="0" i="0" u="none" strike="noStrike" cap="none" normalizeH="0" baseline="0" dirty="0" smtClean="0">
+                <a:ln>
+                  <a:noFill/>
+                </a:ln>
+                <a:solidFill>
+                  <a:schemeClr val="tx1"/>
+                </a:solidFill>
+                <a:effectLst/>
+                <a:latin typeface="Arial Unicode MS" panose="020B0604020202020204" pitchFamily="34" charset="-128"/>
+              </a:rPr>
+              <a:t>": </a:t>
+            </a:r>
+            <a:r>
+              <a:rPr kumimoji="0" lang="fr-FR" sz="1000" b="0" i="0" u="none" strike="noStrike" cap="none" normalizeH="0" baseline="0" dirty="0" err="1" smtClean="0">
+                <a:ln>
+                  <a:noFill/>
+                </a:ln>
+                <a:solidFill>
+                  <a:schemeClr val="tx1"/>
+                </a:solidFill>
+                <a:effectLst/>
+                <a:latin typeface="Arial Unicode MS" panose="020B0604020202020204" pitchFamily="34" charset="-128"/>
+              </a:rPr>
+              <a:t>true</a:t>
+            </a:r>
+            <a:r>
+              <a:rPr kumimoji="0" lang="fr-FR" sz="1000" b="0" i="0" u="none" strike="noStrike" cap="none" normalizeH="0" baseline="0" dirty="0" smtClean="0">
+                <a:ln>
+                  <a:noFill/>
+                </a:ln>
+                <a:solidFill>
+                  <a:schemeClr val="tx1"/>
+                </a:solidFill>
+                <a:effectLst/>
+                <a:latin typeface="Arial Unicode MS" panose="020B0604020202020204" pitchFamily="34" charset="-128"/>
+              </a:rPr>
+              <a:t>, </a:t>
+            </a:r>
+          </a:p>
+          <a:p>
+            <a:pPr marL="0" marR="0" lvl="0" indent="0" algn="just" defTabSz="914400" rtl="0" eaLnBrk="0" fontAlgn="base" latinLnBrk="0" hangingPunct="0">
+              <a:lnSpc>
+                <a:spcPct val="100000"/>
+              </a:lnSpc>
+              <a:spcBef>
+                <a:spcPct val="0"/>
+              </a:spcBef>
+              <a:spcAft>
+                <a:spcPct val="0"/>
+              </a:spcAft>
+              <a:buClrTx/>
+              <a:buSzTx/>
+              <a:buFontTx/>
+              <a:buNone/>
+              <a:tabLst/>
+            </a:pPr>
+            <a:r>
+              <a:rPr kumimoji="0" lang="fr-FR" sz="1000" b="0" i="0" u="none" strike="noStrike" cap="none" normalizeH="0" baseline="0" dirty="0" smtClean="0">
+                <a:ln>
+                  <a:noFill/>
+                </a:ln>
+                <a:solidFill>
+                  <a:schemeClr val="tx1"/>
+                </a:solidFill>
+                <a:effectLst/>
+                <a:latin typeface="Arial Unicode MS" panose="020B0604020202020204" pitchFamily="34" charset="-128"/>
+              </a:rPr>
+              <a:t>"</a:t>
+            </a:r>
+            <a:r>
+              <a:rPr kumimoji="0" lang="fr-FR" sz="1000" b="0" i="0" u="none" strike="noStrike" cap="none" normalizeH="0" baseline="0" dirty="0" err="1" smtClean="0">
+                <a:ln>
+                  <a:noFill/>
+                </a:ln>
+                <a:solidFill>
+                  <a:schemeClr val="tx1"/>
+                </a:solidFill>
+                <a:effectLst/>
+                <a:latin typeface="Arial Unicode MS" panose="020B0604020202020204" pitchFamily="34" charset="-128"/>
+              </a:rPr>
+              <a:t>level</a:t>
+            </a:r>
+            <a:r>
+              <a:rPr kumimoji="0" lang="fr-FR" sz="1000" b="0" i="0" u="none" strike="noStrike" cap="none" normalizeH="0" baseline="0" dirty="0" smtClean="0">
+                <a:ln>
+                  <a:noFill/>
+                </a:ln>
+                <a:solidFill>
+                  <a:schemeClr val="tx1"/>
+                </a:solidFill>
+                <a:effectLst/>
+                <a:latin typeface="Arial Unicode MS" panose="020B0604020202020204" pitchFamily="34" charset="-128"/>
+              </a:rPr>
+              <a:t>": 9, </a:t>
+            </a:r>
+          </a:p>
+          <a:p>
+            <a:pPr marL="0" marR="0" lvl="0" indent="0" algn="just" defTabSz="914400" rtl="0" eaLnBrk="0" fontAlgn="base" latinLnBrk="0" hangingPunct="0">
+              <a:lnSpc>
+                <a:spcPct val="100000"/>
+              </a:lnSpc>
+              <a:spcBef>
+                <a:spcPct val="0"/>
+              </a:spcBef>
+              <a:spcAft>
+                <a:spcPct val="0"/>
+              </a:spcAft>
+              <a:buClrTx/>
+              <a:buSzTx/>
+              <a:buFontTx/>
+              <a:buNone/>
+              <a:tabLst/>
+            </a:pPr>
+            <a:r>
+              <a:rPr kumimoji="0" lang="fr-FR" sz="1000" b="0" i="0" u="none" strike="noStrike" cap="none" normalizeH="0" baseline="0" dirty="0" smtClean="0">
+                <a:ln>
+                  <a:noFill/>
+                </a:ln>
+                <a:solidFill>
+                  <a:schemeClr val="tx1"/>
+                </a:solidFill>
+                <a:effectLst/>
+                <a:latin typeface="Arial Unicode MS" panose="020B0604020202020204" pitchFamily="34" charset="-128"/>
+              </a:rPr>
+              <a:t>"</a:t>
+            </a:r>
+            <a:r>
+              <a:rPr kumimoji="0" lang="fr-FR" sz="1000" b="0" i="0" u="none" strike="noStrike" cap="none" normalizeH="0" baseline="0" dirty="0" err="1" smtClean="0">
+                <a:ln>
+                  <a:noFill/>
+                </a:ln>
+                <a:solidFill>
+                  <a:schemeClr val="tx1"/>
+                </a:solidFill>
+                <a:effectLst/>
+                <a:latin typeface="Arial Unicode MS" panose="020B0604020202020204" pitchFamily="34" charset="-128"/>
+              </a:rPr>
+              <a:t>lastRecharge</a:t>
+            </a:r>
+            <a:r>
+              <a:rPr kumimoji="0" lang="fr-FR" sz="1000" b="0" i="0" u="none" strike="noStrike" cap="none" normalizeH="0" baseline="0" dirty="0" smtClean="0">
+                <a:ln>
+                  <a:noFill/>
+                </a:ln>
+                <a:solidFill>
+                  <a:schemeClr val="tx1"/>
+                </a:solidFill>
+                <a:effectLst/>
+                <a:latin typeface="Arial Unicode MS" panose="020B0604020202020204" pitchFamily="34" charset="-128"/>
+              </a:rPr>
+              <a:t>": { "</a:t>
+            </a:r>
+            <a:r>
+              <a:rPr kumimoji="0" lang="fr-FR" sz="1000" b="0" i="0" u="none" strike="noStrike" cap="none" normalizeH="0" baseline="0" dirty="0" err="1" smtClean="0">
+                <a:ln>
+                  <a:noFill/>
+                </a:ln>
+                <a:solidFill>
+                  <a:schemeClr val="tx1"/>
+                </a:solidFill>
+                <a:effectLst/>
+                <a:latin typeface="Arial Unicode MS" panose="020B0604020202020204" pitchFamily="34" charset="-128"/>
+              </a:rPr>
+              <a:t>day</a:t>
+            </a:r>
+            <a:r>
+              <a:rPr kumimoji="0" lang="fr-FR" sz="1000" b="0" i="0" u="none" strike="noStrike" cap="none" normalizeH="0" baseline="0" dirty="0" smtClean="0">
+                <a:ln>
+                  <a:noFill/>
+                </a:ln>
+                <a:solidFill>
+                  <a:schemeClr val="tx1"/>
+                </a:solidFill>
+                <a:effectLst/>
+                <a:latin typeface="Arial Unicode MS" panose="020B0604020202020204" pitchFamily="34" charset="-128"/>
+              </a:rPr>
+              <a:t>": 5, "</a:t>
+            </a:r>
+            <a:r>
+              <a:rPr kumimoji="0" lang="fr-FR" sz="1000" b="0" i="0" u="none" strike="noStrike" cap="none" normalizeH="0" baseline="0" dirty="0" err="1" smtClean="0">
+                <a:ln>
+                  <a:noFill/>
+                </a:ln>
+                <a:solidFill>
+                  <a:schemeClr val="tx1"/>
+                </a:solidFill>
+                <a:effectLst/>
+                <a:latin typeface="Arial Unicode MS" panose="020B0604020202020204" pitchFamily="34" charset="-128"/>
+              </a:rPr>
+              <a:t>month</a:t>
+            </a:r>
+            <a:r>
+              <a:rPr kumimoji="0" lang="fr-FR" sz="1000" b="0" i="0" u="none" strike="noStrike" cap="none" normalizeH="0" baseline="0" dirty="0" smtClean="0">
+                <a:ln>
+                  <a:noFill/>
+                </a:ln>
+                <a:solidFill>
+                  <a:schemeClr val="tx1"/>
+                </a:solidFill>
+                <a:effectLst/>
+                <a:latin typeface="Arial Unicode MS" panose="020B0604020202020204" pitchFamily="34" charset="-128"/>
+              </a:rPr>
+              <a:t>": 5, "</a:t>
+            </a:r>
+            <a:r>
+              <a:rPr kumimoji="0" lang="fr-FR" sz="1000" b="0" i="0" u="none" strike="noStrike" cap="none" normalizeH="0" baseline="0" dirty="0" err="1" smtClean="0">
+                <a:ln>
+                  <a:noFill/>
+                </a:ln>
+                <a:solidFill>
+                  <a:schemeClr val="tx1"/>
+                </a:solidFill>
+                <a:effectLst/>
+                <a:latin typeface="Arial Unicode MS" panose="020B0604020202020204" pitchFamily="34" charset="-128"/>
+              </a:rPr>
+              <a:t>year</a:t>
+            </a:r>
+            <a:r>
+              <a:rPr kumimoji="0" lang="fr-FR" sz="1000" b="0" i="0" u="none" strike="noStrike" cap="none" normalizeH="0" baseline="0" dirty="0" smtClean="0">
+                <a:ln>
+                  <a:noFill/>
+                </a:ln>
+                <a:solidFill>
+                  <a:schemeClr val="tx1"/>
+                </a:solidFill>
+                <a:effectLst/>
+                <a:latin typeface="Arial Unicode MS" panose="020B0604020202020204" pitchFamily="34" charset="-128"/>
+              </a:rPr>
+              <a:t>": 2015 }, </a:t>
+            </a:r>
+          </a:p>
+          <a:p>
+            <a:pPr marL="0" marR="0" lvl="0" indent="0" algn="just" defTabSz="914400" rtl="0" eaLnBrk="0" fontAlgn="base" latinLnBrk="0" hangingPunct="0">
+              <a:lnSpc>
+                <a:spcPct val="100000"/>
+              </a:lnSpc>
+              <a:spcBef>
+                <a:spcPct val="0"/>
+              </a:spcBef>
+              <a:spcAft>
+                <a:spcPct val="0"/>
+              </a:spcAft>
+              <a:buClrTx/>
+              <a:buSzTx/>
+              <a:buFontTx/>
+              <a:buNone/>
+              <a:tabLst/>
+            </a:pPr>
+            <a:r>
+              <a:rPr kumimoji="0" lang="fr-FR" sz="1000" b="0" i="0" u="none" strike="noStrike" cap="none" normalizeH="0" baseline="0" dirty="0" smtClean="0">
+                <a:ln>
+                  <a:noFill/>
+                </a:ln>
+                <a:solidFill>
+                  <a:schemeClr val="tx1"/>
+                </a:solidFill>
+                <a:effectLst/>
+                <a:latin typeface="Arial Unicode MS" panose="020B0604020202020204" pitchFamily="34" charset="-128"/>
+              </a:rPr>
+              <a:t>"</a:t>
+            </a:r>
+            <a:r>
+              <a:rPr kumimoji="0" lang="fr-FR" sz="1000" b="0" i="0" u="none" strike="noStrike" cap="none" normalizeH="0" baseline="0" dirty="0" err="1" smtClean="0">
+                <a:ln>
+                  <a:noFill/>
+                </a:ln>
+                <a:solidFill>
+                  <a:schemeClr val="tx1"/>
+                </a:solidFill>
+                <a:effectLst/>
+                <a:latin typeface="Arial Unicode MS" panose="020B0604020202020204" pitchFamily="34" charset="-128"/>
+              </a:rPr>
+              <a:t>maxDistanceBetweenRecharge</a:t>
+            </a:r>
+            <a:r>
+              <a:rPr kumimoji="0" lang="fr-FR" sz="1000" b="0" i="0" u="none" strike="noStrike" cap="none" normalizeH="0" baseline="0" dirty="0" smtClean="0">
+                <a:ln>
+                  <a:noFill/>
+                </a:ln>
+                <a:solidFill>
+                  <a:schemeClr val="tx1"/>
+                </a:solidFill>
+                <a:effectLst/>
+                <a:latin typeface="Arial Unicode MS" panose="020B0604020202020204" pitchFamily="34" charset="-128"/>
+              </a:rPr>
+              <a:t>": 35, </a:t>
+            </a:r>
+          </a:p>
+          <a:p>
+            <a:pPr marL="0" marR="0" lvl="0" indent="0" algn="just" defTabSz="914400" rtl="0" eaLnBrk="0" fontAlgn="base" latinLnBrk="0" hangingPunct="0">
+              <a:lnSpc>
+                <a:spcPct val="100000"/>
+              </a:lnSpc>
+              <a:spcBef>
+                <a:spcPct val="0"/>
+              </a:spcBef>
+              <a:spcAft>
+                <a:spcPct val="0"/>
+              </a:spcAft>
+              <a:buClrTx/>
+              <a:buSzTx/>
+              <a:buFontTx/>
+              <a:buNone/>
+              <a:tabLst/>
+            </a:pPr>
+            <a:r>
+              <a:rPr kumimoji="0" lang="fr-FR" sz="1000" b="0" i="0" u="none" strike="noStrike" cap="none" normalizeH="0" baseline="0" dirty="0" smtClean="0">
+                <a:ln>
+                  <a:noFill/>
+                </a:ln>
+                <a:solidFill>
+                  <a:schemeClr val="tx1"/>
+                </a:solidFill>
+                <a:effectLst/>
+                <a:latin typeface="Arial Unicode MS" panose="020B0604020202020204" pitchFamily="34" charset="-128"/>
+              </a:rPr>
+              <a:t>"_id": "5557192d18a1b84839819df8 </a:t>
+            </a:r>
+          </a:p>
+          <a:p>
+            <a:pPr marL="0" marR="0" lvl="0" indent="0" algn="just" defTabSz="914400" rtl="0" eaLnBrk="0" fontAlgn="base" latinLnBrk="0" hangingPunct="0">
+              <a:lnSpc>
+                <a:spcPct val="100000"/>
+              </a:lnSpc>
+              <a:spcBef>
+                <a:spcPct val="0"/>
+              </a:spcBef>
+              <a:spcAft>
+                <a:spcPct val="0"/>
+              </a:spcAft>
+              <a:buClrTx/>
+              <a:buSzTx/>
+              <a:buFontTx/>
+              <a:buNone/>
+              <a:tabLst/>
+            </a:pPr>
+            <a:r>
+              <a:rPr kumimoji="0" lang="fr-FR" sz="1000" b="0" i="0" u="none" strike="noStrike" cap="none" normalizeH="0" baseline="0" dirty="0" smtClean="0">
+                <a:ln>
+                  <a:noFill/>
+                </a:ln>
+                <a:solidFill>
+                  <a:schemeClr val="tx1"/>
+                </a:solidFill>
+                <a:effectLst/>
+                <a:latin typeface="Arial Unicode MS" panose="020B0604020202020204" pitchFamily="34" charset="-128"/>
+              </a:rPr>
+              <a:t> }</a:t>
+            </a:r>
+            <a:r>
+              <a:rPr kumimoji="0" lang="fr-FR" sz="800" b="0" i="0" u="none" strike="noStrike" cap="none" normalizeH="0" baseline="0" dirty="0" smtClean="0">
+                <a:ln>
+                  <a:noFill/>
+                </a:ln>
+                <a:solidFill>
+                  <a:schemeClr val="tx1"/>
+                </a:solidFill>
+                <a:effectLst/>
+              </a:rPr>
+              <a:t> </a:t>
+            </a:r>
+            <a:endParaRPr kumimoji="0" lang="fr-FR" sz="1800" b="0" i="0" u="none" strike="noStrike" cap="none" normalizeH="0" baseline="0" dirty="0" smtClean="0">
+              <a:ln>
+                <a:noFill/>
+              </a:ln>
+              <a:solidFill>
+                <a:schemeClr val="tx1"/>
+              </a:solidFill>
+              <a:effectLst/>
+              <a:latin typeface="Arial" panose="020B0604020202020204" pitchFamily="34" charset="0"/>
+            </a:endParaRPr>
+          </a:p>
+        </p:txBody>
+      </p:sp>
+      <p:sp>
+        <p:nvSpPr>
+          <p:cNvPr id="11" name="Rectangle 3"/>
+          <p:cNvSpPr>
+            <a:spLocks noChangeArrowheads="1"/>
+          </p:cNvSpPr>
+          <p:nvPr/>
+        </p:nvSpPr>
+        <p:spPr bwMode="auto">
+          <a:xfrm>
+            <a:off x="3960065" y="3475544"/>
+            <a:ext cx="5134739" cy="1615827"/>
+          </a:xfrm>
+          <a:prstGeom prst="rect">
+            <a:avLst/>
+          </a:prstGeom>
+          <a:ln w="6350">
+            <a:solidFill>
+              <a:schemeClr val="tx1">
+                <a:lumMod val="75000"/>
+                <a:lumOff val="25000"/>
+              </a:schemeClr>
+            </a:solidFill>
+          </a:ln>
+        </p:spPr>
+        <p:style>
+          <a:lnRef idx="1">
+            <a:schemeClr val="dk1"/>
+          </a:lnRef>
+          <a:fillRef idx="1003">
+            <a:schemeClr val="lt1"/>
+          </a:fillRef>
+          <a:effectRef idx="1">
+            <a:schemeClr val="dk1"/>
+          </a:effectRef>
+          <a:fontRef idx="minor">
+            <a:schemeClr val="dk1"/>
+          </a:fontRef>
+        </p:style>
+        <p:txBody>
+          <a:bodyPr vert="horz" wrap="none" lIns="91440" tIns="45720" rIns="91440" bIns="45720" numCol="1" anchor="ctr" anchorCtr="0" compatLnSpc="1">
+            <a:prstTxWarp prst="textNoShape">
+              <a:avLst/>
+            </a:prstTxWarp>
+            <a:spAutoFit/>
+          </a:bodyPr>
+          <a:lstStyle/>
+          <a:p>
+            <a:pPr lvl="0" algn="just" eaLnBrk="0" fontAlgn="base" hangingPunct="0">
+              <a:spcBef>
+                <a:spcPct val="0"/>
+              </a:spcBef>
+              <a:spcAft>
+                <a:spcPct val="0"/>
+              </a:spcAft>
+            </a:pPr>
+            <a:r>
+              <a:rPr lang="fr-FR" sz="900" dirty="0">
+                <a:solidFill>
+                  <a:srgbClr val="000000"/>
+                </a:solidFill>
+                <a:latin typeface="Arial Unicode MS" panose="020B0604020202020204" pitchFamily="34" charset="-128"/>
+              </a:rPr>
+              <a:t>{ </a:t>
+            </a:r>
+            <a:endParaRPr lang="fr-FR" sz="900" dirty="0" smtClean="0">
+              <a:solidFill>
+                <a:srgbClr val="000000"/>
+              </a:solidFill>
+              <a:latin typeface="Arial Unicode MS" panose="020B0604020202020204" pitchFamily="34" charset="-128"/>
+            </a:endParaRPr>
+          </a:p>
+          <a:p>
+            <a:pPr lvl="0" algn="just" eaLnBrk="0" fontAlgn="base" hangingPunct="0">
+              <a:spcBef>
+                <a:spcPct val="0"/>
+              </a:spcBef>
+              <a:spcAft>
+                <a:spcPct val="0"/>
+              </a:spcAft>
+            </a:pPr>
+            <a:r>
+              <a:rPr lang="fr-FR" sz="900" dirty="0" smtClean="0">
+                <a:solidFill>
+                  <a:srgbClr val="000000"/>
+                </a:solidFill>
+                <a:latin typeface="Arial Unicode MS" panose="020B0604020202020204" pitchFamily="34" charset="-128"/>
+              </a:rPr>
+              <a:t>"</a:t>
+            </a:r>
+            <a:r>
+              <a:rPr lang="fr-FR" sz="900" dirty="0">
+                <a:solidFill>
+                  <a:srgbClr val="000000"/>
+                </a:solidFill>
+                <a:latin typeface="Arial Unicode MS" panose="020B0604020202020204" pitchFamily="34" charset="-128"/>
+              </a:rPr>
+              <a:t>id": "0001", </a:t>
+            </a:r>
+            <a:endParaRPr lang="fr-FR" sz="900" dirty="0" smtClean="0">
+              <a:solidFill>
+                <a:srgbClr val="000000"/>
+              </a:solidFill>
+              <a:latin typeface="Arial Unicode MS" panose="020B0604020202020204" pitchFamily="34" charset="-128"/>
+            </a:endParaRPr>
+          </a:p>
+          <a:p>
+            <a:pPr lvl="0" algn="just" eaLnBrk="0" fontAlgn="base" hangingPunct="0">
+              <a:spcBef>
+                <a:spcPct val="0"/>
+              </a:spcBef>
+              <a:spcAft>
+                <a:spcPct val="0"/>
+              </a:spcAft>
+            </a:pPr>
+            <a:r>
+              <a:rPr lang="fr-FR" sz="900" dirty="0" smtClean="0">
+                <a:solidFill>
+                  <a:srgbClr val="000000"/>
+                </a:solidFill>
+                <a:latin typeface="Arial Unicode MS" panose="020B0604020202020204" pitchFamily="34" charset="-128"/>
+              </a:rPr>
+              <a:t>"</a:t>
+            </a:r>
+            <a:r>
+              <a:rPr lang="fr-FR" sz="900" dirty="0">
+                <a:solidFill>
+                  <a:srgbClr val="000000"/>
+                </a:solidFill>
+                <a:latin typeface="Arial Unicode MS" panose="020B0604020202020204" pitchFamily="34" charset="-128"/>
+              </a:rPr>
+              <a:t>date": { "jour": 24, "mois": 4, "</a:t>
+            </a:r>
+            <a:r>
+              <a:rPr lang="fr-FR" sz="900" dirty="0" err="1">
+                <a:solidFill>
+                  <a:srgbClr val="000000"/>
+                </a:solidFill>
+                <a:latin typeface="Arial Unicode MS" panose="020B0604020202020204" pitchFamily="34" charset="-128"/>
+              </a:rPr>
+              <a:t>annee</a:t>
+            </a:r>
+            <a:r>
+              <a:rPr lang="fr-FR" sz="900" dirty="0">
+                <a:solidFill>
+                  <a:srgbClr val="000000"/>
+                </a:solidFill>
+                <a:latin typeface="Arial Unicode MS" panose="020B0604020202020204" pitchFamily="34" charset="-128"/>
+              </a:rPr>
+              <a:t>": 2015, "h": 12, "m": 3 }, </a:t>
+            </a:r>
+            <a:endParaRPr lang="fr-FR" sz="900" dirty="0" smtClean="0">
+              <a:solidFill>
+                <a:srgbClr val="000000"/>
+              </a:solidFill>
+              <a:latin typeface="Arial Unicode MS" panose="020B0604020202020204" pitchFamily="34" charset="-128"/>
+            </a:endParaRPr>
+          </a:p>
+          <a:p>
+            <a:pPr lvl="0" algn="just" eaLnBrk="0" fontAlgn="base" hangingPunct="0">
+              <a:spcBef>
+                <a:spcPct val="0"/>
+              </a:spcBef>
+              <a:spcAft>
+                <a:spcPct val="0"/>
+              </a:spcAft>
+            </a:pPr>
+            <a:r>
+              <a:rPr lang="fr-FR" sz="900" dirty="0" smtClean="0">
+                <a:solidFill>
+                  <a:srgbClr val="000000"/>
+                </a:solidFill>
+                <a:latin typeface="Arial Unicode MS" panose="020B0604020202020204" pitchFamily="34" charset="-128"/>
+              </a:rPr>
+              <a:t>"</a:t>
+            </a:r>
+            <a:r>
+              <a:rPr lang="fr-FR" sz="900" dirty="0" err="1">
+                <a:solidFill>
+                  <a:srgbClr val="000000"/>
+                </a:solidFill>
+                <a:latin typeface="Arial Unicode MS" panose="020B0604020202020204" pitchFamily="34" charset="-128"/>
+              </a:rPr>
+              <a:t>depart</a:t>
+            </a:r>
+            <a:r>
+              <a:rPr lang="fr-FR" sz="900" dirty="0">
+                <a:solidFill>
+                  <a:srgbClr val="000000"/>
+                </a:solidFill>
+                <a:latin typeface="Arial Unicode MS" panose="020B0604020202020204" pitchFamily="34" charset="-128"/>
+              </a:rPr>
+              <a:t>": { "</a:t>
+            </a:r>
+            <a:r>
+              <a:rPr lang="fr-FR" sz="900" dirty="0" err="1">
+                <a:solidFill>
+                  <a:srgbClr val="000000"/>
+                </a:solidFill>
+                <a:latin typeface="Arial Unicode MS" panose="020B0604020202020204" pitchFamily="34" charset="-128"/>
+              </a:rPr>
+              <a:t>lat</a:t>
+            </a:r>
+            <a:r>
+              <a:rPr lang="fr-FR" sz="900" dirty="0">
+                <a:solidFill>
+                  <a:srgbClr val="000000"/>
+                </a:solidFill>
+                <a:latin typeface="Arial Unicode MS" panose="020B0604020202020204" pitchFamily="34" charset="-128"/>
+              </a:rPr>
+              <a:t>": 48.0865628, "long": -1.682404, "</a:t>
+            </a:r>
+            <a:r>
+              <a:rPr lang="fr-FR" sz="900" dirty="0" err="1">
+                <a:solidFill>
+                  <a:srgbClr val="000000"/>
+                </a:solidFill>
+                <a:latin typeface="Arial Unicode MS" panose="020B0604020202020204" pitchFamily="34" charset="-128"/>
+              </a:rPr>
+              <a:t>text</a:t>
+            </a:r>
+            <a:r>
+              <a:rPr lang="fr-FR" sz="900" dirty="0">
+                <a:solidFill>
+                  <a:srgbClr val="000000"/>
+                </a:solidFill>
+                <a:latin typeface="Arial Unicode MS" panose="020B0604020202020204" pitchFamily="34" charset="-128"/>
+              </a:rPr>
+              <a:t>": "20 Avenue du Canada, 35200 Rennes" }, </a:t>
+            </a:r>
+            <a:endParaRPr lang="fr-FR" sz="900" dirty="0" smtClean="0">
+              <a:solidFill>
+                <a:srgbClr val="000000"/>
+              </a:solidFill>
+              <a:latin typeface="Arial Unicode MS" panose="020B0604020202020204" pitchFamily="34" charset="-128"/>
+            </a:endParaRPr>
+          </a:p>
+          <a:p>
+            <a:pPr lvl="0" algn="just" eaLnBrk="0" fontAlgn="base" hangingPunct="0">
+              <a:spcBef>
+                <a:spcPct val="0"/>
+              </a:spcBef>
+              <a:spcAft>
+                <a:spcPct val="0"/>
+              </a:spcAft>
+            </a:pPr>
+            <a:r>
+              <a:rPr lang="fr-FR" sz="900" dirty="0" smtClean="0">
+                <a:solidFill>
+                  <a:srgbClr val="000000"/>
+                </a:solidFill>
+                <a:latin typeface="Arial Unicode MS" panose="020B0604020202020204" pitchFamily="34" charset="-128"/>
+              </a:rPr>
+              <a:t>"</a:t>
+            </a:r>
+            <a:r>
+              <a:rPr lang="fr-FR" sz="900" dirty="0" err="1">
+                <a:solidFill>
+                  <a:srgbClr val="000000"/>
+                </a:solidFill>
+                <a:latin typeface="Arial Unicode MS" panose="020B0604020202020204" pitchFamily="34" charset="-128"/>
+              </a:rPr>
+              <a:t>arrivee</a:t>
+            </a:r>
+            <a:r>
+              <a:rPr lang="fr-FR" sz="900" dirty="0">
+                <a:solidFill>
+                  <a:srgbClr val="000000"/>
+                </a:solidFill>
+                <a:latin typeface="Arial Unicode MS" panose="020B0604020202020204" pitchFamily="34" charset="-128"/>
+              </a:rPr>
+              <a:t>": { "</a:t>
+            </a:r>
+            <a:r>
+              <a:rPr lang="fr-FR" sz="900" dirty="0" err="1">
+                <a:solidFill>
+                  <a:srgbClr val="000000"/>
+                </a:solidFill>
+                <a:latin typeface="Arial Unicode MS" panose="020B0604020202020204" pitchFamily="34" charset="-128"/>
+              </a:rPr>
+              <a:t>lat</a:t>
+            </a:r>
+            <a:r>
+              <a:rPr lang="fr-FR" sz="900" dirty="0">
+                <a:solidFill>
+                  <a:srgbClr val="000000"/>
+                </a:solidFill>
+                <a:latin typeface="Arial Unicode MS" panose="020B0604020202020204" pitchFamily="34" charset="-128"/>
+              </a:rPr>
+              <a:t>": 48.0975767, "long": -1.6752134, "</a:t>
+            </a:r>
+            <a:r>
+              <a:rPr lang="fr-FR" sz="900" dirty="0" err="1">
+                <a:solidFill>
+                  <a:srgbClr val="000000"/>
+                </a:solidFill>
+                <a:latin typeface="Arial Unicode MS" panose="020B0604020202020204" pitchFamily="34" charset="-128"/>
+              </a:rPr>
+              <a:t>text</a:t>
+            </a:r>
+            <a:r>
+              <a:rPr lang="fr-FR" sz="900" dirty="0">
+                <a:solidFill>
+                  <a:srgbClr val="000000"/>
+                </a:solidFill>
+                <a:latin typeface="Arial Unicode MS" panose="020B0604020202020204" pitchFamily="34" charset="-128"/>
+              </a:rPr>
+              <a:t>": "104 Rue de l'Alma, 35000 Rennes" }, </a:t>
+            </a:r>
+            <a:endParaRPr lang="fr-FR" sz="900" dirty="0" smtClean="0">
+              <a:solidFill>
+                <a:srgbClr val="000000"/>
+              </a:solidFill>
+              <a:latin typeface="Arial Unicode MS" panose="020B0604020202020204" pitchFamily="34" charset="-128"/>
+            </a:endParaRPr>
+          </a:p>
+          <a:p>
+            <a:pPr lvl="0" algn="just" eaLnBrk="0" fontAlgn="base" hangingPunct="0">
+              <a:spcBef>
+                <a:spcPct val="0"/>
+              </a:spcBef>
+              <a:spcAft>
+                <a:spcPct val="0"/>
+              </a:spcAft>
+            </a:pPr>
+            <a:r>
+              <a:rPr lang="fr-FR" sz="900" dirty="0" smtClean="0">
+                <a:solidFill>
+                  <a:srgbClr val="000000"/>
+                </a:solidFill>
+                <a:latin typeface="Arial Unicode MS" panose="020B0604020202020204" pitchFamily="34" charset="-128"/>
+              </a:rPr>
+              <a:t>"</a:t>
+            </a:r>
+            <a:r>
+              <a:rPr lang="fr-FR" sz="900" dirty="0">
+                <a:solidFill>
+                  <a:srgbClr val="000000"/>
+                </a:solidFill>
+                <a:latin typeface="Arial Unicode MS" panose="020B0604020202020204" pitchFamily="34" charset="-128"/>
+              </a:rPr>
+              <a:t>distance": 1.6, </a:t>
+            </a:r>
+            <a:endParaRPr lang="fr-FR" sz="900" dirty="0" smtClean="0">
+              <a:solidFill>
+                <a:srgbClr val="000000"/>
+              </a:solidFill>
+              <a:latin typeface="Arial Unicode MS" panose="020B0604020202020204" pitchFamily="34" charset="-128"/>
+            </a:endParaRPr>
+          </a:p>
+          <a:p>
+            <a:pPr lvl="0" algn="just" eaLnBrk="0" fontAlgn="base" hangingPunct="0">
+              <a:spcBef>
+                <a:spcPct val="0"/>
+              </a:spcBef>
+              <a:spcAft>
+                <a:spcPct val="0"/>
+              </a:spcAft>
+            </a:pPr>
+            <a:r>
+              <a:rPr lang="fr-FR" sz="900" dirty="0" smtClean="0">
+                <a:solidFill>
+                  <a:srgbClr val="000000"/>
+                </a:solidFill>
+                <a:latin typeface="Arial Unicode MS" panose="020B0604020202020204" pitchFamily="34" charset="-128"/>
+              </a:rPr>
+              <a:t>"</a:t>
+            </a:r>
+            <a:r>
+              <a:rPr lang="fr-FR" sz="900" dirty="0" err="1">
+                <a:solidFill>
+                  <a:srgbClr val="000000"/>
+                </a:solidFill>
+                <a:latin typeface="Arial Unicode MS" panose="020B0604020202020204" pitchFamily="34" charset="-128"/>
+              </a:rPr>
+              <a:t>duree</a:t>
+            </a:r>
+            <a:r>
+              <a:rPr lang="fr-FR" sz="900" dirty="0">
+                <a:solidFill>
+                  <a:srgbClr val="000000"/>
+                </a:solidFill>
+                <a:latin typeface="Arial Unicode MS" panose="020B0604020202020204" pitchFamily="34" charset="-128"/>
+              </a:rPr>
+              <a:t>": { "h": 0, "m": 8, "s": 13 }, </a:t>
+            </a:r>
+            <a:endParaRPr lang="fr-FR" sz="900" dirty="0" smtClean="0">
+              <a:solidFill>
+                <a:srgbClr val="000000"/>
+              </a:solidFill>
+              <a:latin typeface="Arial Unicode MS" panose="020B0604020202020204" pitchFamily="34" charset="-128"/>
+            </a:endParaRPr>
+          </a:p>
+          <a:p>
+            <a:pPr lvl="0" algn="just" eaLnBrk="0" fontAlgn="base" hangingPunct="0">
+              <a:spcBef>
+                <a:spcPct val="0"/>
+              </a:spcBef>
+              <a:spcAft>
+                <a:spcPct val="0"/>
+              </a:spcAft>
+            </a:pPr>
+            <a:r>
+              <a:rPr lang="fr-FR" sz="900" dirty="0" smtClean="0">
+                <a:solidFill>
+                  <a:srgbClr val="000000"/>
+                </a:solidFill>
+                <a:latin typeface="Arial Unicode MS" panose="020B0604020202020204" pitchFamily="34" charset="-128"/>
+              </a:rPr>
+              <a:t>"</a:t>
+            </a:r>
+            <a:r>
+              <a:rPr lang="fr-FR" sz="900" dirty="0" err="1">
+                <a:solidFill>
+                  <a:srgbClr val="000000"/>
+                </a:solidFill>
+                <a:latin typeface="Arial Unicode MS" panose="020B0604020202020204" pitchFamily="34" charset="-128"/>
+              </a:rPr>
+              <a:t>vitesse_moy</a:t>
+            </a:r>
+            <a:r>
+              <a:rPr lang="fr-FR" sz="900" dirty="0">
+                <a:solidFill>
+                  <a:srgbClr val="000000"/>
+                </a:solidFill>
+                <a:latin typeface="Arial Unicode MS" panose="020B0604020202020204" pitchFamily="34" charset="-128"/>
+              </a:rPr>
+              <a:t>": 18.3, "</a:t>
+            </a:r>
+            <a:r>
+              <a:rPr lang="fr-FR" sz="900" dirty="0" err="1">
+                <a:solidFill>
+                  <a:srgbClr val="000000"/>
+                </a:solidFill>
+                <a:latin typeface="Arial Unicode MS" panose="020B0604020202020204" pitchFamily="34" charset="-128"/>
+              </a:rPr>
+              <a:t>vitesse_max</a:t>
+            </a:r>
+            <a:r>
+              <a:rPr lang="fr-FR" sz="900" dirty="0">
+                <a:solidFill>
+                  <a:srgbClr val="000000"/>
+                </a:solidFill>
+                <a:latin typeface="Arial Unicode MS" panose="020B0604020202020204" pitchFamily="34" charset="-128"/>
+              </a:rPr>
+              <a:t>": 20.6, </a:t>
+            </a:r>
+            <a:endParaRPr lang="fr-FR" sz="900" dirty="0" smtClean="0">
+              <a:solidFill>
+                <a:srgbClr val="000000"/>
+              </a:solidFill>
+              <a:latin typeface="Arial Unicode MS" panose="020B0604020202020204" pitchFamily="34" charset="-128"/>
+            </a:endParaRPr>
+          </a:p>
+          <a:p>
+            <a:pPr lvl="0" algn="just" eaLnBrk="0" fontAlgn="base" hangingPunct="0">
+              <a:spcBef>
+                <a:spcPct val="0"/>
+              </a:spcBef>
+              <a:spcAft>
+                <a:spcPct val="0"/>
+              </a:spcAft>
+            </a:pPr>
+            <a:r>
+              <a:rPr lang="fr-FR" sz="900" dirty="0" smtClean="0">
+                <a:solidFill>
+                  <a:srgbClr val="000000"/>
+                </a:solidFill>
+                <a:latin typeface="Arial Unicode MS" panose="020B0604020202020204" pitchFamily="34" charset="-128"/>
+              </a:rPr>
+              <a:t>"</a:t>
+            </a:r>
+            <a:r>
+              <a:rPr lang="fr-FR" sz="900" dirty="0">
+                <a:solidFill>
+                  <a:srgbClr val="000000"/>
+                </a:solidFill>
+                <a:latin typeface="Arial Unicode MS" panose="020B0604020202020204" pitchFamily="34" charset="-128"/>
+              </a:rPr>
+              <a:t>calories": 327, "</a:t>
+            </a:r>
+            <a:r>
+              <a:rPr lang="fr-FR" sz="900" dirty="0" err="1">
+                <a:solidFill>
+                  <a:srgbClr val="000000"/>
+                </a:solidFill>
+                <a:latin typeface="Arial Unicode MS" panose="020B0604020202020204" pitchFamily="34" charset="-128"/>
+              </a:rPr>
+              <a:t>altitude_min</a:t>
+            </a:r>
+            <a:r>
+              <a:rPr lang="fr-FR" sz="900" dirty="0">
+                <a:solidFill>
+                  <a:srgbClr val="000000"/>
+                </a:solidFill>
+                <a:latin typeface="Arial Unicode MS" panose="020B0604020202020204" pitchFamily="34" charset="-128"/>
+              </a:rPr>
+              <a:t>": 750, "</a:t>
+            </a:r>
+            <a:r>
+              <a:rPr lang="fr-FR" sz="900" dirty="0" err="1">
+                <a:solidFill>
+                  <a:srgbClr val="000000"/>
+                </a:solidFill>
+                <a:latin typeface="Arial Unicode MS" panose="020B0604020202020204" pitchFamily="34" charset="-128"/>
+              </a:rPr>
+              <a:t>altitude_max</a:t>
+            </a:r>
+            <a:r>
+              <a:rPr lang="fr-FR" sz="900" dirty="0">
+                <a:solidFill>
+                  <a:srgbClr val="000000"/>
+                </a:solidFill>
+                <a:latin typeface="Arial Unicode MS" panose="020B0604020202020204" pitchFamily="34" charset="-128"/>
+              </a:rPr>
+              <a:t>": 980, </a:t>
+            </a:r>
+            <a:endParaRPr lang="fr-FR" sz="900" dirty="0" smtClean="0">
+              <a:solidFill>
+                <a:srgbClr val="000000"/>
+              </a:solidFill>
+              <a:latin typeface="Arial Unicode MS" panose="020B0604020202020204" pitchFamily="34" charset="-128"/>
+            </a:endParaRPr>
+          </a:p>
+          <a:p>
+            <a:pPr lvl="0" algn="just" eaLnBrk="0" fontAlgn="base" hangingPunct="0">
+              <a:spcBef>
+                <a:spcPct val="0"/>
+              </a:spcBef>
+              <a:spcAft>
+                <a:spcPct val="0"/>
+              </a:spcAft>
+            </a:pPr>
+            <a:r>
+              <a:rPr lang="fr-FR" sz="900" dirty="0">
+                <a:solidFill>
+                  <a:srgbClr val="000000"/>
+                </a:solidFill>
+                <a:latin typeface="Arial Unicode MS" panose="020B0604020202020204" pitchFamily="34" charset="-128"/>
+              </a:rPr>
+              <a:t>"_id": "5559951fe2491f89581a968d"</a:t>
+            </a:r>
+            <a:endParaRPr lang="fr-FR" sz="900" dirty="0" smtClean="0">
+              <a:solidFill>
+                <a:srgbClr val="000000"/>
+              </a:solidFill>
+              <a:latin typeface="Arial Unicode MS" panose="020B0604020202020204" pitchFamily="34" charset="-128"/>
+            </a:endParaRPr>
+          </a:p>
+          <a:p>
+            <a:pPr lvl="0" algn="just" eaLnBrk="0" fontAlgn="base" hangingPunct="0">
+              <a:spcBef>
+                <a:spcPct val="0"/>
+              </a:spcBef>
+              <a:spcAft>
+                <a:spcPct val="0"/>
+              </a:spcAft>
+            </a:pPr>
+            <a:r>
+              <a:rPr lang="fr-FR" sz="900" dirty="0" smtClean="0">
+                <a:solidFill>
+                  <a:srgbClr val="000000"/>
+                </a:solidFill>
+                <a:latin typeface="Arial Unicode MS" panose="020B0604020202020204" pitchFamily="34" charset="-128"/>
+              </a:rPr>
+              <a:t>}</a:t>
+            </a:r>
+            <a:r>
+              <a:rPr lang="fr-FR" sz="700" dirty="0" smtClean="0">
+                <a:solidFill>
+                  <a:schemeClr val="tx1"/>
+                </a:solidFill>
+              </a:rPr>
+              <a:t> </a:t>
+            </a:r>
+            <a:endParaRPr lang="fr-FR" sz="1600" dirty="0">
+              <a:solidFill>
+                <a:schemeClr val="tx1"/>
+              </a:solidFill>
+              <a:latin typeface="Arial" panose="020B0604020202020204" pitchFamily="34" charset="0"/>
+            </a:endParaRPr>
+          </a:p>
+        </p:txBody>
+      </p:sp>
+      <p:sp>
+        <p:nvSpPr>
+          <p:cNvPr id="12" name="Rectangle 3"/>
+          <p:cNvSpPr>
+            <a:spLocks noChangeArrowheads="1"/>
+          </p:cNvSpPr>
+          <p:nvPr/>
+        </p:nvSpPr>
+        <p:spPr bwMode="auto">
+          <a:xfrm>
+            <a:off x="9405033" y="3462606"/>
+            <a:ext cx="2252540" cy="1477328"/>
+          </a:xfrm>
+          <a:prstGeom prst="rect">
+            <a:avLst/>
+          </a:prstGeom>
+          <a:ln w="6350">
+            <a:solidFill>
+              <a:schemeClr val="tx1">
+                <a:lumMod val="75000"/>
+                <a:lumOff val="25000"/>
+              </a:schemeClr>
+            </a:solidFill>
+          </a:ln>
+        </p:spPr>
+        <p:style>
+          <a:lnRef idx="1">
+            <a:schemeClr val="dk1"/>
+          </a:lnRef>
+          <a:fillRef idx="1003">
+            <a:schemeClr val="lt1"/>
+          </a:fillRef>
+          <a:effectRef idx="1">
+            <a:schemeClr val="dk1"/>
+          </a:effectRef>
+          <a:fontRef idx="minor">
+            <a:schemeClr val="dk1"/>
+          </a:fontRef>
+        </p:style>
+        <p:txBody>
+          <a:bodyPr vert="horz" wrap="none" lIns="91440" tIns="45720" rIns="91440" bIns="45720" numCol="1" anchor="ctr" anchorCtr="0" compatLnSpc="1">
+            <a:prstTxWarp prst="textNoShape">
+              <a:avLst/>
+            </a:prstTxWarp>
+            <a:spAutoFit/>
+          </a:bodyPr>
+          <a:lstStyle/>
+          <a:p>
+            <a:pPr lvl="0" algn="just" eaLnBrk="0" fontAlgn="base" hangingPunct="0">
+              <a:spcBef>
+                <a:spcPct val="0"/>
+              </a:spcBef>
+              <a:spcAft>
+                <a:spcPct val="0"/>
+              </a:spcAft>
+            </a:pPr>
+            <a:r>
+              <a:rPr lang="fr-FR" sz="1000" dirty="0">
+                <a:solidFill>
+                  <a:schemeClr val="tx1"/>
+                </a:solidFill>
+                <a:latin typeface="Arial Unicode MS" panose="020B0604020202020204" pitchFamily="34" charset="-128"/>
+              </a:rPr>
+              <a:t>{ </a:t>
+            </a:r>
+            <a:endParaRPr lang="fr-FR" sz="1000" dirty="0" smtClean="0">
+              <a:solidFill>
+                <a:schemeClr val="tx1"/>
+              </a:solidFill>
+              <a:latin typeface="Arial Unicode MS" panose="020B0604020202020204" pitchFamily="34" charset="-128"/>
+            </a:endParaRPr>
+          </a:p>
+          <a:p>
+            <a:pPr lvl="0" algn="just" eaLnBrk="0" fontAlgn="base" hangingPunct="0">
+              <a:spcBef>
+                <a:spcPct val="0"/>
+              </a:spcBef>
+              <a:spcAft>
+                <a:spcPct val="0"/>
+              </a:spcAft>
+            </a:pPr>
+            <a:r>
+              <a:rPr lang="fr-FR" sz="1000" dirty="0" smtClean="0">
+                <a:solidFill>
+                  <a:schemeClr val="tx1"/>
+                </a:solidFill>
+                <a:latin typeface="Arial Unicode MS" panose="020B0604020202020204" pitchFamily="34" charset="-128"/>
+              </a:rPr>
+              <a:t>"</a:t>
+            </a:r>
+            <a:r>
+              <a:rPr lang="fr-FR" sz="1000" dirty="0" err="1">
+                <a:solidFill>
+                  <a:schemeClr val="tx1"/>
+                </a:solidFill>
+                <a:latin typeface="Arial Unicode MS" panose="020B0604020202020204" pitchFamily="34" charset="-128"/>
+              </a:rPr>
+              <a:t>username</a:t>
+            </a:r>
+            <a:r>
+              <a:rPr lang="fr-FR" sz="1000" dirty="0">
+                <a:solidFill>
+                  <a:schemeClr val="tx1"/>
+                </a:solidFill>
+                <a:latin typeface="Arial Unicode MS" panose="020B0604020202020204" pitchFamily="34" charset="-128"/>
+              </a:rPr>
+              <a:t>" : </a:t>
+            </a:r>
+            <a:r>
+              <a:rPr lang="fr-FR" sz="1000" dirty="0" smtClean="0">
+                <a:solidFill>
+                  <a:schemeClr val="tx1"/>
+                </a:solidFill>
+                <a:latin typeface="Arial Unicode MS" panose="020B0604020202020204" pitchFamily="34" charset="-128"/>
+              </a:rPr>
+              <a:t>"</a:t>
+            </a:r>
+            <a:r>
+              <a:rPr lang="fr-FR" sz="1000" dirty="0" err="1">
+                <a:solidFill>
+                  <a:schemeClr val="tx1"/>
+                </a:solidFill>
+                <a:latin typeface="Arial Unicode MS" panose="020B0604020202020204" pitchFamily="34" charset="-128"/>
+              </a:rPr>
+              <a:t>loann</a:t>
+            </a:r>
+            <a:r>
+              <a:rPr lang="fr-FR" sz="1000" dirty="0">
+                <a:solidFill>
+                  <a:schemeClr val="tx1"/>
+                </a:solidFill>
+                <a:latin typeface="Arial Unicode MS" panose="020B0604020202020204" pitchFamily="34" charset="-128"/>
+              </a:rPr>
+              <a:t>", </a:t>
+            </a:r>
+            <a:endParaRPr lang="fr-FR" sz="1000" dirty="0" smtClean="0">
+              <a:solidFill>
+                <a:schemeClr val="tx1"/>
+              </a:solidFill>
+              <a:latin typeface="Arial Unicode MS" panose="020B0604020202020204" pitchFamily="34" charset="-128"/>
+            </a:endParaRPr>
+          </a:p>
+          <a:p>
+            <a:pPr lvl="0" algn="just" eaLnBrk="0" fontAlgn="base" hangingPunct="0">
+              <a:spcBef>
+                <a:spcPct val="0"/>
+              </a:spcBef>
+              <a:spcAft>
+                <a:spcPct val="0"/>
+              </a:spcAft>
+            </a:pPr>
+            <a:r>
+              <a:rPr lang="fr-FR" sz="1000" dirty="0" smtClean="0">
+                <a:solidFill>
+                  <a:schemeClr val="tx1"/>
+                </a:solidFill>
+                <a:latin typeface="Arial Unicode MS" panose="020B0604020202020204" pitchFamily="34" charset="-128"/>
+              </a:rPr>
+              <a:t>"</a:t>
+            </a:r>
+            <a:r>
+              <a:rPr lang="fr-FR" sz="1000" dirty="0" err="1">
+                <a:solidFill>
+                  <a:schemeClr val="tx1"/>
+                </a:solidFill>
+                <a:latin typeface="Arial Unicode MS" panose="020B0604020202020204" pitchFamily="34" charset="-128"/>
+              </a:rPr>
+              <a:t>password</a:t>
+            </a:r>
+            <a:r>
+              <a:rPr lang="fr-FR" sz="1000" dirty="0">
+                <a:solidFill>
+                  <a:schemeClr val="tx1"/>
+                </a:solidFill>
+                <a:latin typeface="Arial Unicode MS" panose="020B0604020202020204" pitchFamily="34" charset="-128"/>
+              </a:rPr>
+              <a:t>" : "</a:t>
+            </a:r>
+            <a:r>
+              <a:rPr lang="fr-FR" sz="1000" dirty="0" err="1">
+                <a:solidFill>
+                  <a:schemeClr val="tx1"/>
+                </a:solidFill>
+                <a:latin typeface="Arial Unicode MS" panose="020B0604020202020204" pitchFamily="34" charset="-128"/>
+              </a:rPr>
+              <a:t>loann</a:t>
+            </a:r>
+            <a:r>
+              <a:rPr lang="fr-FR" sz="1000" dirty="0">
+                <a:solidFill>
+                  <a:schemeClr val="tx1"/>
+                </a:solidFill>
+                <a:latin typeface="Arial Unicode MS" panose="020B0604020202020204" pitchFamily="34" charset="-128"/>
+              </a:rPr>
+              <a:t>", </a:t>
+            </a:r>
+            <a:endParaRPr lang="fr-FR" sz="1000" dirty="0" smtClean="0">
+              <a:solidFill>
+                <a:schemeClr val="tx1"/>
+              </a:solidFill>
+              <a:latin typeface="Arial Unicode MS" panose="020B0604020202020204" pitchFamily="34" charset="-128"/>
+            </a:endParaRPr>
+          </a:p>
+          <a:p>
+            <a:pPr lvl="0" algn="just" eaLnBrk="0" fontAlgn="base" hangingPunct="0">
+              <a:spcBef>
+                <a:spcPct val="0"/>
+              </a:spcBef>
+              <a:spcAft>
+                <a:spcPct val="0"/>
+              </a:spcAft>
+            </a:pPr>
+            <a:r>
+              <a:rPr lang="fr-FR" sz="1000" dirty="0" smtClean="0">
+                <a:solidFill>
+                  <a:schemeClr val="tx1"/>
+                </a:solidFill>
+                <a:latin typeface="Arial Unicode MS" panose="020B0604020202020204" pitchFamily="34" charset="-128"/>
+              </a:rPr>
+              <a:t>"</a:t>
+            </a:r>
+            <a:r>
+              <a:rPr lang="fr-FR" sz="1000" dirty="0" err="1">
+                <a:solidFill>
+                  <a:schemeClr val="tx1"/>
+                </a:solidFill>
+                <a:latin typeface="Arial Unicode MS" panose="020B0604020202020204" pitchFamily="34" charset="-128"/>
+              </a:rPr>
+              <a:t>firstname</a:t>
+            </a:r>
+            <a:r>
+              <a:rPr lang="fr-FR" sz="1000" dirty="0">
+                <a:solidFill>
+                  <a:schemeClr val="tx1"/>
+                </a:solidFill>
+                <a:latin typeface="Arial Unicode MS" panose="020B0604020202020204" pitchFamily="34" charset="-128"/>
+              </a:rPr>
+              <a:t>" : "</a:t>
+            </a:r>
+            <a:r>
+              <a:rPr lang="fr-FR" sz="1000" dirty="0" err="1">
+                <a:solidFill>
+                  <a:schemeClr val="tx1"/>
+                </a:solidFill>
+                <a:latin typeface="Arial Unicode MS" panose="020B0604020202020204" pitchFamily="34" charset="-128"/>
+              </a:rPr>
+              <a:t>Loann</a:t>
+            </a:r>
+            <a:r>
+              <a:rPr lang="fr-FR" sz="1000" dirty="0">
+                <a:solidFill>
+                  <a:schemeClr val="tx1"/>
+                </a:solidFill>
+                <a:latin typeface="Arial Unicode MS" panose="020B0604020202020204" pitchFamily="34" charset="-128"/>
+              </a:rPr>
+              <a:t>", </a:t>
+            </a:r>
+            <a:endParaRPr lang="fr-FR" sz="1000" dirty="0" smtClean="0">
+              <a:solidFill>
+                <a:schemeClr val="tx1"/>
+              </a:solidFill>
+              <a:latin typeface="Arial Unicode MS" panose="020B0604020202020204" pitchFamily="34" charset="-128"/>
+            </a:endParaRPr>
+          </a:p>
+          <a:p>
+            <a:pPr lvl="0" algn="just" eaLnBrk="0" fontAlgn="base" hangingPunct="0">
+              <a:spcBef>
+                <a:spcPct val="0"/>
+              </a:spcBef>
+              <a:spcAft>
+                <a:spcPct val="0"/>
+              </a:spcAft>
+            </a:pPr>
+            <a:r>
+              <a:rPr lang="fr-FR" sz="1000" dirty="0" smtClean="0">
+                <a:solidFill>
+                  <a:schemeClr val="tx1"/>
+                </a:solidFill>
+                <a:latin typeface="Arial Unicode MS" panose="020B0604020202020204" pitchFamily="34" charset="-128"/>
+              </a:rPr>
+              <a:t>"</a:t>
+            </a:r>
+            <a:r>
+              <a:rPr lang="fr-FR" sz="1000" dirty="0" err="1">
+                <a:solidFill>
+                  <a:schemeClr val="tx1"/>
+                </a:solidFill>
+                <a:latin typeface="Arial Unicode MS" panose="020B0604020202020204" pitchFamily="34" charset="-128"/>
+              </a:rPr>
+              <a:t>lastname</a:t>
+            </a:r>
+            <a:r>
+              <a:rPr lang="fr-FR" sz="1000" dirty="0">
+                <a:solidFill>
+                  <a:schemeClr val="tx1"/>
+                </a:solidFill>
+                <a:latin typeface="Arial Unicode MS" panose="020B0604020202020204" pitchFamily="34" charset="-128"/>
+              </a:rPr>
+              <a:t>" : "Neveu", </a:t>
+            </a:r>
+            <a:endParaRPr lang="fr-FR" sz="1000" dirty="0" smtClean="0">
+              <a:solidFill>
+                <a:schemeClr val="tx1"/>
+              </a:solidFill>
+              <a:latin typeface="Arial Unicode MS" panose="020B0604020202020204" pitchFamily="34" charset="-128"/>
+            </a:endParaRPr>
+          </a:p>
+          <a:p>
+            <a:pPr lvl="0" algn="just" eaLnBrk="0" fontAlgn="base" hangingPunct="0">
+              <a:spcBef>
+                <a:spcPct val="0"/>
+              </a:spcBef>
+              <a:spcAft>
+                <a:spcPct val="0"/>
+              </a:spcAft>
+            </a:pPr>
+            <a:r>
+              <a:rPr lang="fr-FR" sz="1000" dirty="0" smtClean="0">
+                <a:solidFill>
+                  <a:schemeClr val="tx1"/>
+                </a:solidFill>
+                <a:latin typeface="Arial Unicode MS" panose="020B0604020202020204" pitchFamily="34" charset="-128"/>
+              </a:rPr>
+              <a:t>"</a:t>
+            </a:r>
+            <a:r>
+              <a:rPr lang="fr-FR" sz="1000" dirty="0">
+                <a:solidFill>
+                  <a:schemeClr val="tx1"/>
+                </a:solidFill>
+                <a:latin typeface="Arial Unicode MS" panose="020B0604020202020204" pitchFamily="34" charset="-128"/>
+              </a:rPr>
+              <a:t>email" : "neveu.loann@gmail.com", </a:t>
+            </a:r>
+            <a:endParaRPr lang="fr-FR" sz="1000" dirty="0" smtClean="0">
+              <a:solidFill>
+                <a:schemeClr val="tx1"/>
+              </a:solidFill>
+              <a:latin typeface="Arial Unicode MS" panose="020B0604020202020204" pitchFamily="34" charset="-128"/>
+            </a:endParaRPr>
+          </a:p>
+          <a:p>
+            <a:pPr lvl="0" algn="just" eaLnBrk="0" fontAlgn="base" hangingPunct="0">
+              <a:spcBef>
+                <a:spcPct val="0"/>
+              </a:spcBef>
+              <a:spcAft>
+                <a:spcPct val="0"/>
+              </a:spcAft>
+            </a:pPr>
+            <a:r>
+              <a:rPr lang="fr-FR" sz="1000" dirty="0" smtClean="0">
+                <a:solidFill>
+                  <a:schemeClr val="tx1"/>
+                </a:solidFill>
+                <a:latin typeface="Arial Unicode MS" panose="020B0604020202020204" pitchFamily="34" charset="-128"/>
+              </a:rPr>
+              <a:t>"</a:t>
+            </a:r>
+            <a:r>
+              <a:rPr lang="fr-FR" sz="1000" dirty="0">
+                <a:solidFill>
+                  <a:schemeClr val="tx1"/>
+                </a:solidFill>
+                <a:latin typeface="Arial Unicode MS" panose="020B0604020202020204" pitchFamily="34" charset="-128"/>
+              </a:rPr>
+              <a:t>location" : "Rennes", </a:t>
+            </a:r>
+            <a:endParaRPr lang="fr-FR" sz="1000" dirty="0" smtClean="0">
+              <a:solidFill>
+                <a:schemeClr val="tx1"/>
+              </a:solidFill>
+              <a:latin typeface="Arial Unicode MS" panose="020B0604020202020204" pitchFamily="34" charset="-128"/>
+            </a:endParaRPr>
+          </a:p>
+          <a:p>
+            <a:pPr lvl="0" algn="just" eaLnBrk="0" fontAlgn="base" hangingPunct="0">
+              <a:spcBef>
+                <a:spcPct val="0"/>
+              </a:spcBef>
+              <a:spcAft>
+                <a:spcPct val="0"/>
+              </a:spcAft>
+            </a:pPr>
+            <a:r>
+              <a:rPr lang="fr-FR" sz="1000" dirty="0" smtClean="0">
+                <a:solidFill>
+                  <a:schemeClr val="tx1"/>
+                </a:solidFill>
+                <a:latin typeface="Arial Unicode MS" panose="020B0604020202020204" pitchFamily="34" charset="-128"/>
+              </a:rPr>
+              <a:t>"_id : 55570fd55a9790de35b3b1c6</a:t>
+            </a:r>
+          </a:p>
+          <a:p>
+            <a:pPr lvl="0" algn="just" eaLnBrk="0" fontAlgn="base" hangingPunct="0">
+              <a:spcBef>
+                <a:spcPct val="0"/>
+              </a:spcBef>
+              <a:spcAft>
+                <a:spcPct val="0"/>
+              </a:spcAft>
+            </a:pPr>
+            <a:r>
+              <a:rPr lang="fr-FR" sz="1000" dirty="0" smtClean="0">
+                <a:solidFill>
+                  <a:schemeClr val="tx1"/>
+                </a:solidFill>
+                <a:latin typeface="Arial Unicode MS" panose="020B0604020202020204" pitchFamily="34" charset="-128"/>
+              </a:rPr>
+              <a:t>}</a:t>
+            </a:r>
+            <a:endParaRPr kumimoji="0" lang="fr-FR" sz="1800" b="0" i="0" u="none" strike="noStrike" cap="none" normalizeH="0" baseline="0" dirty="0" smtClean="0">
+              <a:ln>
+                <a:noFill/>
+              </a:ln>
+              <a:solidFill>
+                <a:schemeClr val="tx1"/>
+              </a:solidFill>
+              <a:effectLst/>
+              <a:latin typeface="Arial" panose="020B0604020202020204" pitchFamily="34" charset="0"/>
+            </a:endParaRPr>
+          </a:p>
+        </p:txBody>
+      </p:sp>
+      <p:sp>
+        <p:nvSpPr>
+          <p:cNvPr id="16" name="ZoneTexte 15"/>
+          <p:cNvSpPr txBox="1"/>
+          <p:nvPr/>
+        </p:nvSpPr>
+        <p:spPr>
+          <a:xfrm>
+            <a:off x="8145710" y="4784556"/>
+            <a:ext cx="946865" cy="307777"/>
+          </a:xfrm>
+          <a:prstGeom prst="rect">
+            <a:avLst/>
+          </a:prstGeom>
+          <a:noFill/>
+        </p:spPr>
+        <p:txBody>
+          <a:bodyPr wrap="square" rtlCol="0">
+            <a:spAutoFit/>
+          </a:bodyPr>
+          <a:lstStyle/>
+          <a:p>
+            <a:r>
+              <a:rPr lang="fr-FR" sz="1400" dirty="0" err="1" smtClean="0"/>
+              <a:t>itineraires</a:t>
+            </a:r>
+            <a:endParaRPr lang="fr-FR" dirty="0"/>
+          </a:p>
+        </p:txBody>
+      </p:sp>
+      <p:sp>
+        <p:nvSpPr>
+          <p:cNvPr id="17" name="ZoneTexte 16"/>
+          <p:cNvSpPr txBox="1"/>
+          <p:nvPr/>
+        </p:nvSpPr>
+        <p:spPr>
+          <a:xfrm>
+            <a:off x="2929529" y="4487083"/>
+            <a:ext cx="875422" cy="307777"/>
+          </a:xfrm>
+          <a:prstGeom prst="rect">
+            <a:avLst/>
+          </a:prstGeom>
+          <a:noFill/>
+        </p:spPr>
+        <p:txBody>
+          <a:bodyPr wrap="square" rtlCol="0">
+            <a:spAutoFit/>
+          </a:bodyPr>
+          <a:lstStyle/>
+          <a:p>
+            <a:r>
+              <a:rPr lang="fr-FR" sz="1400" dirty="0" smtClean="0"/>
+              <a:t>batterie</a:t>
+            </a:r>
+            <a:endParaRPr lang="fr-FR" dirty="0"/>
+          </a:p>
+        </p:txBody>
+      </p:sp>
+      <p:sp>
+        <p:nvSpPr>
+          <p:cNvPr id="18" name="ZoneTexte 17"/>
+          <p:cNvSpPr txBox="1"/>
+          <p:nvPr/>
+        </p:nvSpPr>
+        <p:spPr>
+          <a:xfrm>
+            <a:off x="11132852" y="4666082"/>
+            <a:ext cx="946865" cy="307777"/>
+          </a:xfrm>
+          <a:prstGeom prst="rect">
+            <a:avLst/>
+          </a:prstGeom>
+          <a:noFill/>
+        </p:spPr>
+        <p:txBody>
+          <a:bodyPr wrap="square" rtlCol="0">
+            <a:spAutoFit/>
+          </a:bodyPr>
+          <a:lstStyle/>
+          <a:p>
+            <a:r>
+              <a:rPr lang="fr-FR" sz="1400" dirty="0" err="1" smtClean="0"/>
+              <a:t>users</a:t>
+            </a:r>
+            <a:endParaRPr lang="fr-FR" dirty="0"/>
+          </a:p>
+        </p:txBody>
+      </p:sp>
+      <p:pic>
+        <p:nvPicPr>
+          <p:cNvPr id="19" name="Picture 6" descr="http://upload.wikimedia.org/wikipedia/en/e/eb/MongoDB_Logo.png"/>
+          <p:cNvPicPr>
+            <a:picLocks noChangeAspect="1" noChangeArrowheads="1"/>
+          </p:cNvPicPr>
+          <p:nvPr/>
+        </p:nvPicPr>
+        <p:blipFill>
+          <a:blip r:embed="rId2" cstate="print">
+            <a:extLst>
+              <a:ext uri="{28A0092B-C50C-407E-A947-70E740481C1C}">
+                <a14:useLocalDpi xmlns:a14="http://schemas.microsoft.com/office/drawing/2010/main" val="0"/>
+              </a:ext>
+            </a:extLst>
+          </a:blip>
+          <a:srcRect/>
+          <a:stretch>
+            <a:fillRect/>
+          </a:stretch>
+        </p:blipFill>
+        <p:spPr bwMode="auto">
+          <a:xfrm>
+            <a:off x="9489641" y="1809419"/>
+            <a:ext cx="2590076" cy="762514"/>
+          </a:xfrm>
+          <a:prstGeom prst="rect">
+            <a:avLst/>
+          </a:prstGeom>
+          <a:noFill/>
+          <a:extLst>
+            <a:ext uri="{909E8E84-426E-40DD-AFC4-6F175D3DCCD1}">
+              <a14:hiddenFill xmlns:a14="http://schemas.microsoft.com/office/drawing/2010/main">
+                <a:solidFill>
+                  <a:srgbClr val="FFFFFF"/>
+                </a:solidFill>
+              </a14:hiddenFill>
+            </a:ext>
+          </a:extLst>
+        </p:spPr>
+      </p:pic>
+      <p:pic>
+        <p:nvPicPr>
+          <p:cNvPr id="20" name="Picture 2" descr="http://www.zdrojak.cz/wp-content/uploads/2014/05/logo-json.png"/>
+          <p:cNvPicPr>
+            <a:picLocks noChangeAspect="1" noChangeArrowheads="1"/>
+          </p:cNvPicPr>
+          <p:nvPr/>
+        </p:nvPicPr>
+        <p:blipFill>
+          <a:blip r:embed="rId3" cstate="print">
+            <a:extLst>
+              <a:ext uri="{28A0092B-C50C-407E-A947-70E740481C1C}">
+                <a14:useLocalDpi xmlns:a14="http://schemas.microsoft.com/office/drawing/2010/main" val="0"/>
+              </a:ext>
+            </a:extLst>
+          </a:blip>
+          <a:srcRect/>
+          <a:stretch>
+            <a:fillRect/>
+          </a:stretch>
+        </p:blipFill>
+        <p:spPr bwMode="auto">
+          <a:xfrm>
+            <a:off x="8305416" y="2637274"/>
+            <a:ext cx="801057" cy="801057"/>
+          </a:xfrm>
+          <a:prstGeom prst="rect">
+            <a:avLst/>
+          </a:prstGeom>
+          <a:noFill/>
+          <a:extLst>
+            <a:ext uri="{909E8E84-426E-40DD-AFC4-6F175D3DCCD1}">
+              <a14:hiddenFill xmlns:a14="http://schemas.microsoft.com/office/drawing/2010/main">
+                <a:solidFill>
+                  <a:srgbClr val="FFFFFF"/>
+                </a:solidFill>
+              </a14:hiddenFill>
+            </a:ext>
+          </a:extLst>
+        </p:spPr>
+      </p:pic>
+    </p:spTree>
+    <p:extLst>
+      <p:ext uri="{BB962C8B-B14F-4D97-AF65-F5344CB8AC3E}">
+        <p14:creationId xmlns:p14="http://schemas.microsoft.com/office/powerpoint/2010/main" val="4272734370"/>
+      </p:ext>
+    </p:extLst>
+  </p:cSld>
+  <p:clrMapOvr>
+    <a:masterClrMapping/>
+  </p:clrMapOvr>
+  <p:timing>
+    <p:tnLst>
+      <p:par>
+        <p:cTn id="1" dur="indefinite" restart="never" nodeType="tmRoot"/>
+      </p:par>
+    </p:tnLst>
+  </p:timing>
+</p:sld>
+</file>
+
+<file path=ppt/slides/slide11.xml><?xml version="1.0" encoding="utf-8"?>
+<p:sld xmlns:a="http://schemas.openxmlformats.org/drawingml/2006/main" xmlns:r="http://schemas.openxmlformats.org/officeDocument/2006/relationships" xmlns:p="http://schemas.openxmlformats.org/presentationml/2006/main">
+  <p:cSld>
+    <p:spTree>
+      <p:nvGrpSpPr>
+        <p:cNvPr id="1" name=""/>
+        <p:cNvGrpSpPr/>
+        <p:nvPr/>
+      </p:nvGrpSpPr>
+      <p:grpSpPr>
+        <a:xfrm>
+          <a:off x="0" y="0"/>
+          <a:ext cx="0" cy="0"/>
+          <a:chOff x="0" y="0"/>
+          <a:chExt cx="0" cy="0"/>
+        </a:xfrm>
+      </p:grpSpPr>
+      <p:sp>
+        <p:nvSpPr>
+          <p:cNvPr id="2" name="Titre 1"/>
+          <p:cNvSpPr>
+            <a:spLocks noGrp="1"/>
+          </p:cNvSpPr>
+          <p:nvPr>
+            <p:ph type="title"/>
+          </p:nvPr>
+        </p:nvSpPr>
+        <p:spPr/>
+        <p:txBody>
+          <a:bodyPr/>
+          <a:lstStyle/>
+          <a:p>
+            <a:r>
+              <a:rPr lang="fr-FR" dirty="0" smtClean="0"/>
+              <a:t>Architecture – Coté serveur (2/2)</a:t>
+            </a:r>
+            <a:endParaRPr lang="fr-FR" dirty="0"/>
+          </a:p>
+        </p:txBody>
+      </p:sp>
+      <p:sp>
+        <p:nvSpPr>
+          <p:cNvPr id="3" name="Espace réservé du contenu 2"/>
+          <p:cNvSpPr>
+            <a:spLocks noGrp="1"/>
+          </p:cNvSpPr>
+          <p:nvPr>
+            <p:ph idx="1"/>
+          </p:nvPr>
+        </p:nvSpPr>
+        <p:spPr/>
+        <p:txBody>
+          <a:bodyPr/>
+          <a:lstStyle/>
+          <a:p>
+            <a:pPr marL="0" indent="0">
+              <a:buNone/>
+            </a:pPr>
+            <a:endParaRPr lang="fr-FR" dirty="0"/>
+          </a:p>
+          <a:p>
+            <a:pPr>
+              <a:buFont typeface="Wingdings" panose="05000000000000000000" pitchFamily="2" charset="2"/>
+              <a:buChar char="Ø"/>
+            </a:pPr>
+            <a:r>
+              <a:rPr lang="fr-FR" dirty="0" smtClean="0"/>
+              <a:t> Serveur </a:t>
+            </a:r>
+            <a:r>
+              <a:rPr lang="fr-FR" dirty="0" err="1" smtClean="0"/>
+              <a:t>NodeJS</a:t>
+            </a:r>
+            <a:r>
+              <a:rPr lang="fr-FR" dirty="0" smtClean="0"/>
+              <a:t> basique</a:t>
+            </a:r>
+          </a:p>
+          <a:p>
+            <a:pPr>
+              <a:buFont typeface="Wingdings" panose="05000000000000000000" pitchFamily="2" charset="2"/>
+              <a:buChar char="Ø"/>
+            </a:pPr>
+            <a:endParaRPr lang="fr-FR" dirty="0"/>
+          </a:p>
+          <a:p>
+            <a:pPr>
+              <a:buFont typeface="Wingdings" panose="05000000000000000000" pitchFamily="2" charset="2"/>
+              <a:buChar char="Ø"/>
+            </a:pPr>
+            <a:r>
+              <a:rPr lang="fr-FR" dirty="0" smtClean="0"/>
+              <a:t>Implémentation d’une API REST </a:t>
+            </a:r>
+          </a:p>
+        </p:txBody>
+      </p:sp>
+      <p:sp>
+        <p:nvSpPr>
+          <p:cNvPr id="4" name="Espace réservé du numéro de diapositive 3"/>
+          <p:cNvSpPr>
+            <a:spLocks noGrp="1"/>
+          </p:cNvSpPr>
+          <p:nvPr>
+            <p:ph type="sldNum" sz="quarter" idx="12"/>
+          </p:nvPr>
+        </p:nvSpPr>
+        <p:spPr/>
+        <p:txBody>
+          <a:bodyPr/>
+          <a:lstStyle/>
+          <a:p>
+            <a:fld id="{4E3AC6AE-89F5-414A-A8B7-DD18C1B46AB5}" type="slidenum">
+              <a:rPr lang="fr-FR" smtClean="0"/>
+              <a:t>11</a:t>
+            </a:fld>
+            <a:endParaRPr lang="fr-FR"/>
+          </a:p>
+        </p:txBody>
+      </p:sp>
+      <p:pic>
+        <p:nvPicPr>
+          <p:cNvPr id="5" name="Image 4"/>
+          <p:cNvPicPr>
+            <a:picLocks noChangeAspect="1"/>
+          </p:cNvPicPr>
+          <p:nvPr/>
+        </p:nvPicPr>
+        <p:blipFill rotWithShape="1">
+          <a:blip r:embed="rId2"/>
+          <a:srcRect l="18272" t="7366" r="39113" b="43541"/>
+          <a:stretch/>
+        </p:blipFill>
+        <p:spPr>
+          <a:xfrm>
+            <a:off x="7018713" y="1845734"/>
+            <a:ext cx="4995797" cy="3237319"/>
+          </a:xfrm>
+          <a:prstGeom prst="roundRect">
+            <a:avLst>
+              <a:gd name="adj" fmla="val 8594"/>
+            </a:avLst>
+          </a:prstGeom>
+          <a:solidFill>
+            <a:srgbClr val="FFFFFF">
+              <a:shade val="85000"/>
+            </a:srgbClr>
+          </a:solidFill>
+          <a:ln>
+            <a:noFill/>
+          </a:ln>
+          <a:effectLst>
+            <a:reflection blurRad="12700" stA="38000" endPos="28000" dist="5000" dir="5400000" sy="-100000" algn="bl" rotWithShape="0"/>
+          </a:effectLst>
+        </p:spPr>
+      </p:pic>
+      <p:sp>
+        <p:nvSpPr>
+          <p:cNvPr id="6" name="Rectangle à coins arrondis 5"/>
+          <p:cNvSpPr/>
+          <p:nvPr/>
+        </p:nvSpPr>
+        <p:spPr>
+          <a:xfrm>
+            <a:off x="6903308" y="4110681"/>
+            <a:ext cx="3443416" cy="461319"/>
+          </a:xfrm>
+          <a:prstGeom prst="roundRect">
+            <a:avLst/>
+          </a:prstGeom>
+          <a:noFill/>
+          <a:ln>
+            <a:solidFill>
+              <a:srgbClr val="C00000"/>
+            </a:solidFill>
+          </a:ln>
+        </p:spPr>
+        <p:style>
+          <a:lnRef idx="2">
+            <a:schemeClr val="accent1"/>
+          </a:lnRef>
+          <a:fillRef idx="1">
+            <a:schemeClr val="lt1"/>
+          </a:fillRef>
+          <a:effectRef idx="0">
+            <a:schemeClr val="accent1"/>
+          </a:effectRef>
+          <a:fontRef idx="minor">
+            <a:schemeClr val="dk1"/>
+          </a:fontRef>
+        </p:style>
+        <p:txBody>
+          <a:bodyPr rtlCol="0" anchor="ctr"/>
+          <a:lstStyle/>
+          <a:p>
+            <a:pPr algn="ctr"/>
+            <a:endParaRPr lang="fr-FR"/>
+          </a:p>
+        </p:txBody>
+      </p:sp>
+      <p:pic>
+        <p:nvPicPr>
+          <p:cNvPr id="7" name="Image 6"/>
+          <p:cNvPicPr>
+            <a:picLocks noChangeAspect="1"/>
+          </p:cNvPicPr>
+          <p:nvPr/>
+        </p:nvPicPr>
+        <p:blipFill rotWithShape="1">
+          <a:blip r:embed="rId3"/>
+          <a:srcRect l="17670" t="13282" r="60194" b="51566"/>
+          <a:stretch/>
+        </p:blipFill>
+        <p:spPr>
+          <a:xfrm>
+            <a:off x="2885243" y="3675356"/>
+            <a:ext cx="2911876" cy="2601157"/>
+          </a:xfrm>
+          <a:prstGeom prst="roundRect">
+            <a:avLst>
+              <a:gd name="adj" fmla="val 8594"/>
+            </a:avLst>
+          </a:prstGeom>
+          <a:solidFill>
+            <a:srgbClr val="FFFFFF">
+              <a:shade val="85000"/>
+            </a:srgbClr>
+          </a:solidFill>
+          <a:ln>
+            <a:noFill/>
+          </a:ln>
+          <a:effectLst>
+            <a:reflection blurRad="12700" stA="38000" endPos="28000" dist="5000" dir="5400000" sy="-100000" algn="bl" rotWithShape="0"/>
+          </a:effectLst>
+        </p:spPr>
+      </p:pic>
+      <p:sp>
+        <p:nvSpPr>
+          <p:cNvPr id="8" name="Flèche en arc 7"/>
+          <p:cNvSpPr/>
+          <p:nvPr/>
+        </p:nvSpPr>
+        <p:spPr>
+          <a:xfrm rot="19800000" flipH="1">
+            <a:off x="5599824" y="2883322"/>
+            <a:ext cx="1327895" cy="905842"/>
+          </a:xfrm>
+          <a:prstGeom prst="circularArrow">
+            <a:avLst/>
+          </a:prstGeom>
+          <a:solidFill>
+            <a:srgbClr val="C00000"/>
+          </a:solidFill>
+          <a:ln>
+            <a:noFill/>
+          </a:ln>
+        </p:spPr>
+        <p:style>
+          <a:lnRef idx="2">
+            <a:schemeClr val="accent1">
+              <a:shade val="50000"/>
+            </a:schemeClr>
+          </a:lnRef>
+          <a:fillRef idx="1">
+            <a:schemeClr val="accent1"/>
+          </a:fillRef>
+          <a:effectRef idx="0">
+            <a:schemeClr val="accent1"/>
+          </a:effectRef>
+          <a:fontRef idx="minor">
+            <a:schemeClr val="lt1"/>
+          </a:fontRef>
+        </p:style>
+        <p:txBody>
+          <a:bodyPr rtlCol="0" anchor="ctr"/>
+          <a:lstStyle/>
+          <a:p>
+            <a:pPr algn="ctr"/>
+            <a:endParaRPr lang="fr-FR">
+              <a:solidFill>
+                <a:schemeClr val="tx1"/>
+              </a:solidFill>
+            </a:endParaRPr>
+          </a:p>
+        </p:txBody>
+      </p:sp>
+      <p:sp>
+        <p:nvSpPr>
+          <p:cNvPr id="9" name="ZoneTexte 8"/>
+          <p:cNvSpPr txBox="1"/>
+          <p:nvPr/>
+        </p:nvSpPr>
+        <p:spPr>
+          <a:xfrm>
+            <a:off x="4501391" y="3095061"/>
+            <a:ext cx="204187" cy="369332"/>
+          </a:xfrm>
+          <a:prstGeom prst="rect">
+            <a:avLst/>
+          </a:prstGeom>
+          <a:noFill/>
+        </p:spPr>
+        <p:txBody>
+          <a:bodyPr wrap="square" rtlCol="0">
+            <a:spAutoFit/>
+          </a:bodyPr>
+          <a:lstStyle/>
+          <a:p>
+            <a:r>
+              <a:rPr lang="fr-FR" dirty="0" smtClean="0">
+                <a:solidFill>
+                  <a:srgbClr val="C00000"/>
+                </a:solidFill>
+              </a:rPr>
+              <a:t>*</a:t>
+            </a:r>
+            <a:endParaRPr lang="fr-FR" dirty="0">
+              <a:solidFill>
+                <a:srgbClr val="C00000"/>
+              </a:solidFill>
+            </a:endParaRPr>
+          </a:p>
+        </p:txBody>
+      </p:sp>
+    </p:spTree>
+    <p:extLst>
+      <p:ext uri="{BB962C8B-B14F-4D97-AF65-F5344CB8AC3E}">
+        <p14:creationId xmlns:p14="http://schemas.microsoft.com/office/powerpoint/2010/main" val="3990711234"/>
+      </p:ext>
+    </p:extLst>
+  </p:cSld>
+  <p:clrMapOvr>
+    <a:masterClrMapping/>
+  </p:clrMapOvr>
+  <p:timing>
+    <p:tnLst>
+      <p:par>
+        <p:cTn id="1" dur="indefinite" restart="never" nodeType="tmRoot">
+          <p:childTnLst>
+            <p:seq concurrent="1" nextAc="seek">
+              <p:cTn id="2" dur="indefinite" nodeType="mainSeq">
+                <p:childTnLst>
+                  <p:par>
+                    <p:cTn id="3" fill="hold">
+                      <p:stCondLst>
+                        <p:cond delay="indefinite"/>
+                      </p:stCondLst>
+                      <p:childTnLst>
+                        <p:par>
+                          <p:cTn id="4" fill="hold">
+                            <p:stCondLst>
+                              <p:cond delay="0"/>
+                            </p:stCondLst>
+                            <p:childTnLst>
+                              <p:par>
+                                <p:cTn id="5" presetID="16" presetClass="entr" presetSubtype="21" fill="hold" grpId="0" nodeType="clickEffect">
+                                  <p:stCondLst>
+                                    <p:cond delay="0"/>
+                                  </p:stCondLst>
+                                  <p:childTnLst>
+                                    <p:set>
+                                      <p:cBhvr>
+                                        <p:cTn id="6" dur="1" fill="hold">
+                                          <p:stCondLst>
+                                            <p:cond delay="0"/>
+                                          </p:stCondLst>
+                                        </p:cTn>
+                                        <p:tgtEl>
+                                          <p:spTgt spid="6"/>
+                                        </p:tgtEl>
+                                        <p:attrNameLst>
+                                          <p:attrName>style.visibility</p:attrName>
+                                        </p:attrNameLst>
+                                      </p:cBhvr>
+                                      <p:to>
+                                        <p:strVal val="visible"/>
+                                      </p:to>
+                                    </p:set>
+                                    <p:animEffect transition="in" filter="barn(inVertical)">
+                                      <p:cBhvr>
+                                        <p:cTn id="7" dur="500"/>
+                                        <p:tgtEl>
+                                          <p:spTgt spid="6"/>
+                                        </p:tgtEl>
+                                      </p:cBhvr>
+                                    </p:animEffect>
+                                  </p:childTnLst>
+                                </p:cTn>
+                              </p:par>
+                              <p:par>
+                                <p:cTn id="8" presetID="1" presetClass="entr" presetSubtype="0" fill="hold" nodeType="withEffect">
+                                  <p:stCondLst>
+                                    <p:cond delay="0"/>
+                                  </p:stCondLst>
+                                  <p:childTnLst>
+                                    <p:set>
+                                      <p:cBhvr>
+                                        <p:cTn id="9" dur="1" fill="hold">
+                                          <p:stCondLst>
+                                            <p:cond delay="0"/>
+                                          </p:stCondLst>
+                                        </p:cTn>
+                                        <p:tgtEl>
+                                          <p:spTgt spid="7"/>
+                                        </p:tgtEl>
+                                        <p:attrNameLst>
+                                          <p:attrName>style.visibility</p:attrName>
+                                        </p:attrNameLst>
+                                      </p:cBhvr>
+                                      <p:to>
+                                        <p:strVal val="visible"/>
+                                      </p:to>
+                                    </p:set>
+                                  </p:childTnLst>
+                                </p:cTn>
+                              </p:par>
+                              <p:par>
+                                <p:cTn id="10" presetID="1" presetClass="entr" presetSubtype="0" fill="hold" grpId="0" nodeType="withEffect">
+                                  <p:stCondLst>
+                                    <p:cond delay="0"/>
+                                  </p:stCondLst>
+                                  <p:childTnLst>
+                                    <p:set>
+                                      <p:cBhvr>
+                                        <p:cTn id="11" dur="1" fill="hold">
+                                          <p:stCondLst>
+                                            <p:cond delay="0"/>
+                                          </p:stCondLst>
+                                        </p:cTn>
+                                        <p:tgtEl>
+                                          <p:spTgt spid="9"/>
+                                        </p:tgtEl>
+                                        <p:attrNameLst>
+                                          <p:attrName>style.visibility</p:attrName>
+                                        </p:attrNameLst>
+                                      </p:cBhvr>
+                                      <p:to>
+                                        <p:strVal val="visible"/>
+                                      </p:to>
+                                    </p:set>
+                                  </p:childTnLst>
+                                </p:cTn>
+                              </p:par>
+                              <p:par>
+                                <p:cTn id="12" presetID="1" presetClass="entr" presetSubtype="0" fill="hold" grpId="0" nodeType="withEffect">
+                                  <p:stCondLst>
+                                    <p:cond delay="0"/>
+                                  </p:stCondLst>
+                                  <p:childTnLst>
+                                    <p:set>
+                                      <p:cBhvr>
+                                        <p:cTn id="13" dur="1" fill="hold">
+                                          <p:stCondLst>
+                                            <p:cond delay="0"/>
+                                          </p:stCondLst>
+                                        </p:cTn>
+                                        <p:tgtEl>
+                                          <p:spTgt spid="8"/>
+                                        </p:tgtEl>
+                                        <p:attrNameLst>
+                                          <p:attrName>style.visibility</p:attrName>
+                                        </p:attrNameLst>
+                                      </p:cBhvr>
+                                      <p:to>
+                                        <p:strVal val="visible"/>
+                                      </p:to>
+                                    </p:set>
+                                  </p:childTnLst>
+                                </p:cTn>
+                              </p:par>
+                            </p:childTnLst>
+                          </p:cTn>
+                        </p:par>
+                      </p:childTnLst>
+                    </p:cTn>
+                  </p:par>
+                </p:childTnLst>
+              </p:cTn>
+              <p:prevCondLst>
+                <p:cond evt="onPrev" delay="0">
+                  <p:tgtEl>
+                    <p:sldTgt/>
+                  </p:tgtEl>
+                </p:cond>
+              </p:prevCondLst>
+              <p:nextCondLst>
+                <p:cond evt="onNext" delay="0">
+                  <p:tgtEl>
+                    <p:sldTgt/>
+                  </p:tgtEl>
+                </p:cond>
+              </p:nextCondLst>
+            </p:seq>
+          </p:childTnLst>
+        </p:cTn>
+      </p:par>
+    </p:tnLst>
+    <p:bldLst>
+      <p:bldP spid="6" grpId="0" animBg="1"/>
+      <p:bldP spid="8" grpId="0" animBg="1"/>
+      <p:bldP spid="9" grpId="0"/>
+    </p:bldLst>
+  </p:timing>
+</p:sld>
+</file>
+
+<file path=ppt/slides/slide12.xml><?xml version="1.0" encoding="utf-8"?>
+<p:sld xmlns:a="http://schemas.openxmlformats.org/drawingml/2006/main" xmlns:r="http://schemas.openxmlformats.org/officeDocument/2006/relationships" xmlns:p="http://schemas.openxmlformats.org/presentationml/2006/main">
+  <p:cSld>
+    <p:spTree>
+      <p:nvGrpSpPr>
+        <p:cNvPr id="1" name=""/>
+        <p:cNvGrpSpPr/>
+        <p:nvPr/>
+      </p:nvGrpSpPr>
+      <p:grpSpPr>
+        <a:xfrm>
+          <a:off x="0" y="0"/>
+          <a:ext cx="0" cy="0"/>
+          <a:chOff x="0" y="0"/>
+          <a:chExt cx="0" cy="0"/>
+        </a:xfrm>
+      </p:grpSpPr>
+      <p:sp>
+        <p:nvSpPr>
+          <p:cNvPr id="2" name="Titre 1"/>
+          <p:cNvSpPr>
+            <a:spLocks noGrp="1"/>
+          </p:cNvSpPr>
+          <p:nvPr>
+            <p:ph type="title"/>
+          </p:nvPr>
+        </p:nvSpPr>
+        <p:spPr/>
+        <p:txBody>
+          <a:bodyPr/>
+          <a:lstStyle/>
+          <a:p>
+            <a:r>
+              <a:rPr lang="fr-FR" dirty="0" smtClean="0"/>
+              <a:t>Démonstration</a:t>
+            </a:r>
+            <a:endParaRPr lang="fr-FR" dirty="0"/>
+          </a:p>
+        </p:txBody>
+      </p:sp>
+      <p:sp>
+        <p:nvSpPr>
+          <p:cNvPr id="3" name="Espace réservé du contenu 2"/>
+          <p:cNvSpPr>
+            <a:spLocks noGrp="1"/>
+          </p:cNvSpPr>
+          <p:nvPr>
+            <p:ph idx="1"/>
+          </p:nvPr>
+        </p:nvSpPr>
+        <p:spPr/>
+        <p:txBody>
+          <a:bodyPr/>
+          <a:lstStyle/>
+          <a:p>
+            <a:endParaRPr lang="fr-FR" dirty="0"/>
+          </a:p>
+        </p:txBody>
+      </p:sp>
+      <p:sp>
+        <p:nvSpPr>
+          <p:cNvPr id="4" name="Espace réservé du numéro de diapositive 3"/>
+          <p:cNvSpPr>
+            <a:spLocks noGrp="1"/>
+          </p:cNvSpPr>
+          <p:nvPr>
+            <p:ph type="sldNum" sz="quarter" idx="12"/>
+          </p:nvPr>
+        </p:nvSpPr>
+        <p:spPr/>
+        <p:txBody>
+          <a:bodyPr/>
+          <a:lstStyle/>
+          <a:p>
+            <a:fld id="{4E3AC6AE-89F5-414A-A8B7-DD18C1B46AB5}" type="slidenum">
+              <a:rPr lang="fr-FR" smtClean="0"/>
+              <a:t>12</a:t>
+            </a:fld>
+            <a:endParaRPr lang="fr-FR"/>
+          </a:p>
+        </p:txBody>
+      </p:sp>
+    </p:spTree>
+    <p:extLst>
+      <p:ext uri="{BB962C8B-B14F-4D97-AF65-F5344CB8AC3E}">
+        <p14:creationId xmlns:p14="http://schemas.microsoft.com/office/powerpoint/2010/main" val="336625057"/>
+      </p:ext>
+    </p:extLst>
+  </p:cSld>
+  <p:clrMapOvr>
+    <a:masterClrMapping/>
+  </p:clrMapOvr>
+  <p:timing>
+    <p:tnLst>
+      <p:par>
+        <p:cTn id="1" dur="indefinite" restart="never" nodeType="tmRoot"/>
+      </p:par>
+    </p:tnLst>
+  </p:timing>
+</p:sld>
+</file>
+
 <file path=ppt/slides/slide2.xml><?xml version="1.0" encoding="utf-8"?>
 <p:sld xmlns:a="http://schemas.openxmlformats.org/drawingml/2006/main" xmlns:r="http://schemas.openxmlformats.org/officeDocument/2006/relationships" xmlns:p="http://schemas.openxmlformats.org/presentationml/2006/main">
   <p:cSld>
@@ -6105,7 +8557,15 @@
           <a:p>
             <a:r>
               <a:rPr lang="fr-FR" dirty="0" smtClean="0"/>
-              <a:t>Architecture – coté client (1/4)</a:t>
+              <a:t>Architecture – </a:t>
+            </a:r>
+            <a:r>
+              <a:rPr lang="fr-FR" dirty="0" smtClean="0"/>
+              <a:t>Coté </a:t>
+            </a:r>
+            <a:r>
+              <a:rPr lang="fr-FR" dirty="0" smtClean="0"/>
+              <a:t>client (1/4)</a:t>
             </a:r>
             <a:endParaRPr lang="fr-FR" dirty="0"/>
           </a:p>
@@ -6309,7 +8769,15 @@
           <a:p>
             <a:r>
               <a:rPr lang="fr-FR" dirty="0" smtClean="0"/>
-              <a:t>Architecture – coté client (2/4</a:t>
+              <a:t>Architecture – </a:t>
+            </a:r>
+            <a:r>
+              <a:rPr lang="fr-FR" dirty="0" smtClean="0"/>
+              <a:t>Coté </a:t>
+            </a:r>
+            <a:r>
+              <a:rPr lang="fr-FR" dirty="0" smtClean="0"/>
+              <a:t>client (2/4</a:t>
             </a:r>
             <a:r>
               <a:rPr lang="fr-FR" dirty="0"/>
@@ -6497,7 +8965,15 @@
           <a:p>
             <a:r>
               <a:rPr lang="fr-FR" dirty="0" smtClean="0"/>
-              <a:t>Architecture – coté client (3/4</a:t>
+              <a:t>Architecture – </a:t>
+            </a:r>
+            <a:r>
+              <a:rPr lang="fr-FR" dirty="0" smtClean="0"/>
+              <a:t>Coté </a:t>
+            </a:r>
+            <a:r>
+              <a:rPr lang="fr-FR" dirty="0" smtClean="0"/>
+              <a:t>client (3/4</a:t>
             </a:r>
             <a:r>
               <a:rPr lang="fr-FR" dirty="0"/>
@@ -6716,7 +9192,15 @@
           <a:p>
             <a:r>
               <a:rPr lang="fr-FR" dirty="0" smtClean="0"/>
-              <a:t>Architecture – coté client (4/4</a:t>
+              <a:t>Architecture – </a:t>
+            </a:r>
+            <a:r>
+              <a:rPr lang="fr-FR" dirty="0" smtClean="0"/>
+              <a:t>Coté </a:t>
+            </a:r>
+            <a:r>
+              <a:rPr lang="fr-FR" dirty="0" smtClean="0"/>
+              <a:t>client (4/4</a:t>
             </a:r>
             <a:r>
               <a:rPr lang="fr-FR" dirty="0"/>

--- a/WeBike.pptx
+++ b/WeBike.pptx
@@ -5,7 +5,7 @@
     <p:sldMasterId id="2147483672" r:id="rId1"/>
   </p:sldMasterIdLst>
   <p:notesMasterIdLst>
-    <p:notesMasterId r:id="rId14"/>
+    <p:notesMasterId r:id="rId15"/>
   </p:notesMasterIdLst>
   <p:sldIdLst>
     <p:sldId id="256" r:id="rId2"/>
@@ -19,7 +19,8 @@
     <p:sldId id="266" r:id="rId10"/>
     <p:sldId id="267" r:id="rId11"/>
     <p:sldId id="268" r:id="rId12"/>
-    <p:sldId id="269" r:id="rId13"/>
+    <p:sldId id="270" r:id="rId13"/>
+    <p:sldId id="269" r:id="rId14"/>
   </p:sldIdLst>
   <p:sldSz cx="12192000" cy="6858000"/>
   <p:notesSz cx="6858000" cy="9144000"/>
@@ -208,7 +209,7 @@
           <a:p>
             <a:fld id="{C25780B9-C778-4FC8-B358-178A93C5344C}" type="datetimeFigureOut">
               <a:rPr lang="fr-FR" smtClean="0"/>
-              <a:t>18/05/2015</a:t>
+              <a:t>19/05/2015</a:t>
             </a:fld>
             <a:endParaRPr lang="fr-FR"/>
           </a:p>
@@ -786,7 +787,7 @@
           <a:p>
             <a:fld id="{BFAA57CA-1304-44F4-B5E3-3AFA0D085676}" type="datetime1">
               <a:rPr lang="fr-FR" smtClean="0"/>
-              <a:t>18/05/2015</a:t>
+              <a:t>19/05/2015</a:t>
             </a:fld>
             <a:endParaRPr lang="fr-FR"/>
           </a:p>
@@ -1001,7 +1002,7 @@
           <a:p>
             <a:fld id="{245B1C7E-34A1-4926-A028-DB73E484220D}" type="datetime1">
               <a:rPr lang="fr-FR" smtClean="0"/>
-              <a:t>18/05/2015</a:t>
+              <a:t>19/05/2015</a:t>
             </a:fld>
             <a:endParaRPr lang="fr-FR"/>
           </a:p>
@@ -1257,7 +1258,7 @@
           <a:p>
             <a:fld id="{03D41EED-BBE2-4A04-826D-57EA1E26DFE8}" type="datetime1">
               <a:rPr lang="fr-FR" smtClean="0"/>
-              <a:t>18/05/2015</a:t>
+              <a:t>19/05/2015</a:t>
             </a:fld>
             <a:endParaRPr lang="fr-FR"/>
           </a:p>
@@ -1427,7 +1428,7 @@
           <a:p>
             <a:fld id="{627D751C-B75F-4E7F-B9AC-2D40641706B2}" type="datetime1">
               <a:rPr lang="fr-FR" smtClean="0"/>
-              <a:t>18/05/2015</a:t>
+              <a:t>19/05/2015</a:t>
             </a:fld>
             <a:endParaRPr lang="fr-FR"/>
           </a:p>
@@ -1465,13 +1466,18 @@
         <p:spPr/>
         <p:txBody>
           <a:bodyPr/>
-          <a:lstStyle/>
+          <a:lstStyle>
+            <a:lvl1pPr>
+              <a:defRPr sz="1800"/>
+            </a:lvl1pPr>
+          </a:lstStyle>
           <a:p>
             <a:fld id="{4E3AC6AE-89F5-414A-A8B7-DD18C1B46AB5}" type="slidenum">
               <a:rPr lang="fr-FR" smtClean="0"/>
+              <a:pPr/>
               <a:t>‹N°›</a:t>
             </a:fld>
-            <a:endParaRPr lang="fr-FR"/>
+            <a:endParaRPr lang="fr-FR" dirty="0"/>
           </a:p>
         </p:txBody>
       </p:sp>
@@ -1503,6 +1509,38 @@
           <a:prstGeom prst="rect">
             <a:avLst/>
           </a:prstGeom>
+        </p:spPr>
+      </p:pic>
+      <p:pic>
+        <p:nvPicPr>
+          <p:cNvPr id="8" name="Image 7"/>
+          <p:cNvPicPr>
+            <a:picLocks noChangeAspect="1"/>
+          </p:cNvPicPr>
+          <p:nvPr userDrawn="1"/>
+        </p:nvPicPr>
+        <p:blipFill>
+          <a:blip r:embed="rId3" cstate="print">
+            <a:extLst>
+              <a:ext uri="{28A0092B-C50C-407E-A947-70E740481C1C}">
+                <a14:useLocalDpi xmlns:a14="http://schemas.microsoft.com/office/drawing/2010/main" val="0"/>
+              </a:ext>
+            </a:extLst>
+          </a:blip>
+          <a:stretch>
+            <a:fillRect/>
+          </a:stretch>
+        </p:blipFill>
+        <p:spPr>
+          <a:xfrm>
+            <a:off x="128588" y="6390182"/>
+            <a:ext cx="1346819" cy="447386"/>
+          </a:xfrm>
+          <a:prstGeom prst="rect">
+            <a:avLst/>
+          </a:prstGeom>
+          <a:noFill/>
+          <a:effectLst/>
         </p:spPr>
       </p:pic>
     </p:spTree>
@@ -1807,7 +1845,7 @@
           <a:p>
             <a:fld id="{E745A2A8-2A77-45A3-8A52-8B0DC930D76B}" type="datetime1">
               <a:rPr lang="fr-FR" smtClean="0"/>
-              <a:t>18/05/2015</a:t>
+              <a:t>19/05/2015</a:t>
             </a:fld>
             <a:endParaRPr lang="fr-FR"/>
           </a:p>
@@ -2089,7 +2127,7 @@
           <a:p>
             <a:fld id="{411C72F2-E48E-4CF4-BE23-379ABB027CDA}" type="datetime1">
               <a:rPr lang="fr-FR" smtClean="0"/>
-              <a:t>18/05/2015</a:t>
+              <a:t>19/05/2015</a:t>
             </a:fld>
             <a:endParaRPr lang="fr-FR"/>
           </a:p>
@@ -2468,7 +2506,7 @@
           <a:p>
             <a:fld id="{1026B7BD-3D1B-4850-9896-A26BEC727052}" type="datetime1">
               <a:rPr lang="fr-FR" smtClean="0"/>
-              <a:t>18/05/2015</a:t>
+              <a:t>19/05/2015</a:t>
             </a:fld>
             <a:endParaRPr lang="fr-FR"/>
           </a:p>
@@ -2586,7 +2624,7 @@
           <a:p>
             <a:fld id="{F6C9B29A-054F-497B-B7EC-346C87E50AB2}" type="datetime1">
               <a:rPr lang="fr-FR" smtClean="0"/>
-              <a:t>18/05/2015</a:t>
+              <a:t>19/05/2015</a:t>
             </a:fld>
             <a:endParaRPr lang="fr-FR"/>
           </a:p>
@@ -2757,7 +2795,7 @@
           <a:p>
             <a:fld id="{86310E3C-6B0F-442C-9FFE-F972C6916C16}" type="datetime1">
               <a:rPr lang="fr-FR" smtClean="0"/>
-              <a:t>18/05/2015</a:t>
+              <a:t>19/05/2015</a:t>
             </a:fld>
             <a:endParaRPr lang="fr-FR"/>
           </a:p>
@@ -3111,7 +3149,7 @@
           <a:p>
             <a:fld id="{437E928B-1B41-4CE5-92C1-218962A17BF5}" type="datetime1">
               <a:rPr lang="fr-FR" smtClean="0"/>
-              <a:t>18/05/2015</a:t>
+              <a:t>19/05/2015</a:t>
             </a:fld>
             <a:endParaRPr lang="fr-FR"/>
           </a:p>
@@ -3488,7 +3526,7 @@
           <a:p>
             <a:fld id="{29E2801F-4382-483C-9980-6E6D1C7CCC4F}" type="datetime1">
               <a:rPr lang="fr-FR" smtClean="0"/>
-              <a:t>18/05/2015</a:t>
+              <a:t>19/05/2015</a:t>
             </a:fld>
             <a:endParaRPr lang="fr-FR"/>
           </a:p>
@@ -3775,7 +3813,7 @@
           <a:p>
             <a:fld id="{69AB0E90-5BE6-4F08-A7A7-6B58B5856ED8}" type="datetime1">
               <a:rPr lang="fr-FR" smtClean="0"/>
-              <a:t>18/05/2015</a:t>
+              <a:t>19/05/2015</a:t>
             </a:fld>
             <a:endParaRPr lang="fr-FR"/>
           </a:p>
@@ -4339,18 +4377,6 @@
                 </a:effectLst>
               </a:rPr>
             </a:br>
-            <a:r>
-              <a:rPr lang="fr-FR" spc="0" dirty="0" err="1" smtClean="0">
-                <a:ln w="0"/>
-                <a:solidFill>
-                  <a:srgbClr val="0070C0"/>
-                </a:solidFill>
-                <a:effectLst>
-                  <a:reflection blurRad="6350" stA="53000" endA="300" endPos="35500" dir="5400000" sy="-90000" algn="bl" rotWithShape="0"/>
-                </a:effectLst>
-              </a:rPr>
-              <a:t>WeBike</a:t>
-            </a:r>
             <a:endParaRPr lang="fr-FR" spc="0" dirty="0">
               <a:ln w="0"/>
               <a:solidFill>
@@ -4481,6 +4507,11 @@
                 <a:alpha val="40000"/>
               </a:schemeClr>
             </a:glow>
+            <a:outerShdw blurRad="50800" dist="38100" dir="2700000" algn="tl" rotWithShape="0">
+              <a:prstClr val="black">
+                <a:alpha val="40000"/>
+              </a:prstClr>
+            </a:outerShdw>
           </a:effectLst>
         </p:spPr>
       </p:pic>
@@ -4567,6 +4598,36 @@
           </a:p>
         </p:txBody>
       </p:sp>
+      <p:pic>
+        <p:nvPicPr>
+          <p:cNvPr id="8" name="Image 7"/>
+          <p:cNvPicPr>
+            <a:picLocks noChangeAspect="1"/>
+          </p:cNvPicPr>
+          <p:nvPr/>
+        </p:nvPicPr>
+        <p:blipFill>
+          <a:blip r:embed="rId6">
+            <a:extLst>
+              <a:ext uri="{28A0092B-C50C-407E-A947-70E740481C1C}">
+                <a14:useLocalDpi xmlns:a14="http://schemas.microsoft.com/office/drawing/2010/main" val="0"/>
+              </a:ext>
+            </a:extLst>
+          </a:blip>
+          <a:stretch>
+            <a:fillRect/>
+          </a:stretch>
+        </p:blipFill>
+        <p:spPr>
+          <a:xfrm>
+            <a:off x="3730525" y="2625575"/>
+            <a:ext cx="4730949" cy="1571526"/>
+          </a:xfrm>
+          <a:prstGeom prst="rect">
+            <a:avLst/>
+          </a:prstGeom>
+        </p:spPr>
+      </p:pic>
     </p:spTree>
     <p:extLst>
       <p:ext uri="{BB962C8B-B14F-4D97-AF65-F5344CB8AC3E}">
@@ -6968,7 +7029,7 @@
           <a:p>
             <a:r>
               <a:rPr lang="fr-FR" dirty="0" smtClean="0"/>
-              <a:t>Démonstration</a:t>
+              <a:t>Ce que l’on a fait</a:t>
             </a:r>
             <a:endParaRPr lang="fr-FR" dirty="0"/>
           </a:p>
@@ -6989,6 +7050,146 @@
           <a:bodyPr/>
           <a:lstStyle/>
           <a:p>
+            <a:pPr>
+              <a:buFont typeface="Wingdings" panose="05000000000000000000" pitchFamily="2" charset="2"/>
+              <a:buChar char="Ø"/>
+            </a:pPr>
+            <a:endParaRPr lang="fr-FR" dirty="0" smtClean="0"/>
+          </a:p>
+          <a:p>
+            <a:pPr>
+              <a:buFont typeface="Wingdings" panose="05000000000000000000" pitchFamily="2" charset="2"/>
+              <a:buChar char="Ø"/>
+            </a:pPr>
+            <a:r>
+              <a:rPr lang="fr-FR" dirty="0" smtClean="0"/>
+              <a:t> Widgets obligatoires</a:t>
+            </a:r>
+          </a:p>
+          <a:p>
+            <a:pPr lvl="3">
+              <a:buFont typeface="Wingdings" panose="05000000000000000000" pitchFamily="2" charset="2"/>
+              <a:buChar char="§"/>
+            </a:pPr>
+            <a:endParaRPr lang="fr-FR" dirty="0" smtClean="0"/>
+          </a:p>
+          <a:p>
+            <a:pPr lvl="3">
+              <a:buFont typeface="Wingdings" panose="05000000000000000000" pitchFamily="2" charset="2"/>
+              <a:buChar char="§"/>
+            </a:pPr>
+            <a:r>
+              <a:rPr lang="fr-FR" dirty="0" smtClean="0"/>
+              <a:t>État de charge de la batterie en direct</a:t>
+            </a:r>
+          </a:p>
+          <a:p>
+            <a:pPr lvl="3">
+              <a:buFont typeface="Wingdings" panose="05000000000000000000" pitchFamily="2" charset="2"/>
+              <a:buChar char="§"/>
+            </a:pPr>
+            <a:r>
+              <a:rPr lang="fr-FR" dirty="0" smtClean="0"/>
+              <a:t>Alarme de fin de charge</a:t>
+            </a:r>
+          </a:p>
+          <a:p>
+            <a:pPr lvl="3">
+              <a:buFont typeface="Wingdings" panose="05000000000000000000" pitchFamily="2" charset="2"/>
+              <a:buChar char="§"/>
+            </a:pPr>
+            <a:r>
+              <a:rPr lang="fr-FR" dirty="0" smtClean="0"/>
+              <a:t>Distance parcourue au total</a:t>
+            </a:r>
+          </a:p>
+          <a:p>
+            <a:pPr lvl="3">
+              <a:buFont typeface="Wingdings" panose="05000000000000000000" pitchFamily="2" charset="2"/>
+              <a:buChar char="§"/>
+            </a:pPr>
+            <a:r>
+              <a:rPr lang="fr-FR" dirty="0" smtClean="0"/>
+              <a:t>« All Time Record »</a:t>
+            </a:r>
+          </a:p>
+          <a:p>
+            <a:pPr>
+              <a:buFont typeface="Wingdings" panose="05000000000000000000" pitchFamily="2" charset="2"/>
+              <a:buChar char="Ø"/>
+            </a:pPr>
+            <a:r>
+              <a:rPr lang="fr-FR" dirty="0"/>
+              <a:t> </a:t>
+            </a:r>
+            <a:r>
+              <a:rPr lang="fr-FR" dirty="0" smtClean="0"/>
+              <a:t>Ajouts de nouvelles fonctionnalités </a:t>
+            </a:r>
+          </a:p>
+          <a:p>
+            <a:pPr lvl="2">
+              <a:buFont typeface="Wingdings" panose="05000000000000000000" pitchFamily="2" charset="2"/>
+              <a:buChar char="§"/>
+            </a:pPr>
+            <a:r>
+              <a:rPr lang="fr-FR" dirty="0" smtClean="0"/>
+              <a:t>Widget « Ma météo » avec prévision sur les 3 jours suivants</a:t>
+            </a:r>
+          </a:p>
+          <a:p>
+            <a:pPr lvl="2">
+              <a:buFont typeface="Wingdings" panose="05000000000000000000" pitchFamily="2" charset="2"/>
+              <a:buChar char="§"/>
+            </a:pPr>
+            <a:r>
+              <a:rPr lang="fr-FR" dirty="0" smtClean="0"/>
+              <a:t>Distances parcourues en fonction du temps</a:t>
+            </a:r>
+          </a:p>
+          <a:p>
+            <a:pPr lvl="2">
+              <a:buFont typeface="Wingdings" panose="05000000000000000000" pitchFamily="2" charset="2"/>
+              <a:buChar char="§"/>
+            </a:pPr>
+            <a:r>
+              <a:rPr lang="fr-FR" dirty="0" smtClean="0"/>
+              <a:t>Historiques des trajets avec visualisation en direct (Widget Google </a:t>
+            </a:r>
+            <a:r>
+              <a:rPr lang="fr-FR" dirty="0" err="1" smtClean="0"/>
+              <a:t>Map</a:t>
+            </a:r>
+            <a:r>
+              <a:rPr lang="fr-FR" dirty="0" smtClean="0"/>
+              <a:t>)</a:t>
+            </a:r>
+          </a:p>
+          <a:p>
+            <a:pPr lvl="2">
+              <a:buFont typeface="Wingdings" panose="05000000000000000000" pitchFamily="2" charset="2"/>
+              <a:buChar char="§"/>
+            </a:pPr>
+            <a:r>
+              <a:rPr lang="fr-FR" dirty="0" smtClean="0"/>
+              <a:t>Graphe des performances au cours de l’année</a:t>
+            </a:r>
+          </a:p>
+          <a:p>
+            <a:pPr lvl="2">
+              <a:buFont typeface="Wingdings" panose="05000000000000000000" pitchFamily="2" charset="2"/>
+              <a:buChar char="§"/>
+            </a:pPr>
+            <a:r>
+              <a:rPr lang="fr-FR" dirty="0" smtClean="0"/>
+              <a:t>Ajout de profil et authentification sur la plateforme</a:t>
+            </a:r>
+          </a:p>
+          <a:p>
+            <a:pPr lvl="2">
+              <a:buFont typeface="Wingdings" panose="05000000000000000000" pitchFamily="2" charset="2"/>
+              <a:buChar char="Ø"/>
+            </a:pPr>
             <a:endParaRPr lang="fr-FR" dirty="0"/>
           </a:p>
         </p:txBody>
@@ -7010,7 +7211,187 @@
           <a:p>
             <a:fld id="{4E3AC6AE-89F5-414A-A8B7-DD18C1B46AB5}" type="slidenum">
               <a:rPr lang="fr-FR" smtClean="0"/>
+              <a:pPr/>
               <a:t>12</a:t>
+            </a:fld>
+            <a:endParaRPr lang="fr-FR" dirty="0"/>
+          </a:p>
+        </p:txBody>
+      </p:sp>
+    </p:spTree>
+    <p:extLst>
+      <p:ext uri="{BB962C8B-B14F-4D97-AF65-F5344CB8AC3E}">
+        <p14:creationId xmlns:p14="http://schemas.microsoft.com/office/powerpoint/2010/main" val="3710423781"/>
+      </p:ext>
+    </p:extLst>
+  </p:cSld>
+  <p:clrMapOvr>
+    <a:masterClrMapping/>
+  </p:clrMapOvr>
+  <p:timing>
+    <p:tnLst>
+      <p:par>
+        <p:cTn id="1" dur="indefinite" restart="never" nodeType="tmRoot"/>
+      </p:par>
+    </p:tnLst>
+  </p:timing>
+</p:sld>
+</file>
+
+<file path=ppt/slides/slide13.xml><?xml version="1.0" encoding="utf-8"?>
+<p:sld xmlns:a="http://schemas.openxmlformats.org/drawingml/2006/main" xmlns:r="http://schemas.openxmlformats.org/officeDocument/2006/relationships" xmlns:p="http://schemas.openxmlformats.org/presentationml/2006/main">
+  <p:cSld>
+    <p:spTree>
+      <p:nvGrpSpPr>
+        <p:cNvPr id="1" name=""/>
+        <p:cNvGrpSpPr/>
+        <p:nvPr/>
+      </p:nvGrpSpPr>
+      <p:grpSpPr>
+        <a:xfrm>
+          <a:off x="0" y="0"/>
+          <a:ext cx="0" cy="0"/>
+          <a:chOff x="0" y="0"/>
+          <a:chExt cx="0" cy="0"/>
+        </a:xfrm>
+      </p:grpSpPr>
+      <p:sp>
+        <p:nvSpPr>
+          <p:cNvPr id="2" name="Titre 1"/>
+          <p:cNvSpPr>
+            <a:spLocks noGrp="1"/>
+          </p:cNvSpPr>
+          <p:nvPr>
+            <p:ph type="title"/>
+          </p:nvPr>
+        </p:nvSpPr>
+        <p:spPr/>
+        <p:txBody>
+          <a:bodyPr/>
+          <a:lstStyle/>
+          <a:p>
+            <a:r>
+              <a:rPr lang="fr-FR" dirty="0" smtClean="0"/>
+              <a:t>Démonstration</a:t>
+            </a:r>
+            <a:endParaRPr lang="fr-FR" dirty="0"/>
+          </a:p>
+        </p:txBody>
+      </p:sp>
+      <p:sp>
+        <p:nvSpPr>
+          <p:cNvPr id="3" name="Espace réservé du contenu 2"/>
+          <p:cNvSpPr>
+            <a:spLocks noGrp="1"/>
+          </p:cNvSpPr>
+          <p:nvPr>
+            <p:ph idx="1"/>
+          </p:nvPr>
+        </p:nvSpPr>
+        <p:spPr/>
+        <p:txBody>
+          <a:bodyPr/>
+          <a:lstStyle/>
+          <a:p>
+            <a:pPr algn="ctr"/>
+            <a:endParaRPr lang="fr-FR" dirty="0" smtClean="0"/>
+          </a:p>
+          <a:p>
+            <a:pPr algn="ctr"/>
+            <a:r>
+              <a:rPr lang="fr-FR" dirty="0" err="1" smtClean="0"/>
+              <a:t>WeBike</a:t>
+            </a:r>
+            <a:endParaRPr lang="fr-FR" dirty="0" smtClean="0"/>
+          </a:p>
+          <a:p>
+            <a:pPr marL="0" indent="0" algn="ctr">
+              <a:buNone/>
+            </a:pPr>
+            <a:r>
+              <a:rPr lang="fr-FR" dirty="0" smtClean="0">
+                <a:hlinkClick r:id="rId2"/>
+              </a:rPr>
+              <a:t>http</a:t>
+            </a:r>
+            <a:r>
+              <a:rPr lang="fr-FR" dirty="0">
+                <a:hlinkClick r:id="rId2"/>
+              </a:rPr>
+              <a:t>://148.60.11.177</a:t>
+            </a:r>
+            <a:r>
+              <a:rPr lang="fr-FR" dirty="0" smtClean="0">
+                <a:hlinkClick r:id="rId2"/>
+              </a:rPr>
+              <a:t>/</a:t>
+            </a:r>
+            <a:endParaRPr lang="fr-FR" dirty="0" smtClean="0"/>
+          </a:p>
+          <a:p>
+            <a:pPr marL="0" indent="0" algn="ctr">
+              <a:buNone/>
+            </a:pPr>
+            <a:endParaRPr lang="fr-FR" dirty="0"/>
+          </a:p>
+          <a:p>
+            <a:pPr marL="0" indent="0" algn="ctr">
+              <a:buNone/>
+            </a:pPr>
+            <a:r>
+              <a:rPr lang="fr-FR" dirty="0" smtClean="0"/>
+              <a:t>Lien </a:t>
+            </a:r>
+            <a:r>
+              <a:rPr lang="fr-FR" dirty="0" err="1" smtClean="0"/>
+              <a:t>Github</a:t>
+            </a:r>
+            <a:endParaRPr lang="fr-FR" dirty="0" smtClean="0"/>
+          </a:p>
+          <a:p>
+            <a:pPr marL="0" indent="0" algn="ctr">
+              <a:buNone/>
+            </a:pPr>
+            <a:r>
+              <a:rPr lang="fr-FR" dirty="0">
+                <a:hlinkClick r:id="rId3"/>
+              </a:rPr>
+              <a:t>https://</a:t>
+            </a:r>
+            <a:r>
+              <a:rPr lang="fr-FR" dirty="0" smtClean="0">
+                <a:hlinkClick r:id="rId3"/>
+              </a:rPr>
+              <a:t>github.com/QuentinLeGoff/projetJXS</a:t>
+            </a:r>
+            <a:endParaRPr lang="fr-FR" dirty="0" smtClean="0"/>
+          </a:p>
+          <a:p>
+            <a:pPr marL="0" indent="0" algn="ctr">
+              <a:buNone/>
+            </a:pPr>
+            <a:endParaRPr lang="fr-FR" dirty="0"/>
+          </a:p>
+        </p:txBody>
+      </p:sp>
+      <p:sp>
+        <p:nvSpPr>
+          <p:cNvPr id="4" name="Espace réservé du numéro de diapositive 3"/>
+          <p:cNvSpPr>
+            <a:spLocks noGrp="1"/>
+          </p:cNvSpPr>
+          <p:nvPr>
+            <p:ph type="sldNum" sz="quarter" idx="12"/>
+          </p:nvPr>
+        </p:nvSpPr>
+        <p:spPr/>
+        <p:txBody>
+          <a:bodyPr/>
+          <a:lstStyle/>
+          <a:p>
+            <a:fld id="{4E3AC6AE-89F5-414A-A8B7-DD18C1B46AB5}" type="slidenum">
+              <a:rPr lang="fr-FR" smtClean="0"/>
+              <a:t>13</a:t>
             </a:fld>
             <a:endParaRPr lang="fr-FR"/>
           </a:p>
@@ -8557,15 +8938,7 @@
           <a:p>
             <a:r>
               <a:rPr lang="fr-FR" dirty="0" smtClean="0"/>
-              <a:t>Architecture – </a:t>
-            </a:r>
-            <a:r>
-              <a:rPr lang="fr-FR" dirty="0" smtClean="0"/>
-              <a:t>Coté </a:t>
-            </a:r>
-            <a:r>
-              <a:rPr lang="fr-FR" dirty="0" smtClean="0"/>
-              <a:t>client (1/4)</a:t>
+              <a:t>Architecture – Coté client (1/4)</a:t>
             </a:r>
             <a:endParaRPr lang="fr-FR" dirty="0"/>
           </a:p>
@@ -8769,15 +9142,7 @@
           <a:p>
             <a:r>
               <a:rPr lang="fr-FR" dirty="0" smtClean="0"/>
-              <a:t>Architecture – </a:t>
-            </a:r>
-            <a:r>
-              <a:rPr lang="fr-FR" dirty="0" smtClean="0"/>
-              <a:t>Coté </a:t>
-            </a:r>
-            <a:r>
-              <a:rPr lang="fr-FR" dirty="0" smtClean="0"/>
-              <a:t>client (2/4</a:t>
+              <a:t>Architecture – Coté client (2/4</a:t>
             </a:r>
             <a:r>
               <a:rPr lang="fr-FR" dirty="0"/>
@@ -8965,15 +9330,7 @@
           <a:p>
             <a:r>
               <a:rPr lang="fr-FR" dirty="0" smtClean="0"/>
-              <a:t>Architecture – </a:t>
-            </a:r>
-            <a:r>
-              <a:rPr lang="fr-FR" dirty="0" smtClean="0"/>
-              <a:t>Coté </a:t>
-            </a:r>
-            <a:r>
-              <a:rPr lang="fr-FR" dirty="0" smtClean="0"/>
-              <a:t>client (3/4</a:t>
+              <a:t>Architecture – Coté client (3/4</a:t>
             </a:r>
             <a:r>
               <a:rPr lang="fr-FR" dirty="0"/>
@@ -9192,15 +9549,7 @@
           <a:p>
             <a:r>
               <a:rPr lang="fr-FR" dirty="0" smtClean="0"/>
-              <a:t>Architecture – </a:t>
-            </a:r>
-            <a:r>
-              <a:rPr lang="fr-FR" dirty="0" smtClean="0"/>
-              <a:t>Coté </a:t>
-            </a:r>
-            <a:r>
-              <a:rPr lang="fr-FR" dirty="0" smtClean="0"/>
-              <a:t>client (4/4</a:t>
+              <a:t>Architecture – Coté client (4/4</a:t>
             </a:r>
             <a:r>
               <a:rPr lang="fr-FR" dirty="0"/>

--- a/WeBike.pptx
+++ b/WeBike.pptx
@@ -7549,84 +7549,6 @@
       </p:sp>
       <p:pic>
         <p:nvPicPr>
-          <p:cNvPr id="1026" name="Picture 2" descr="http://sawvideo.com/sites/sawvideo/files/uploads/smartphone.jpg"/>
-          <p:cNvPicPr>
-            <a:picLocks noChangeAspect="1" noChangeArrowheads="1"/>
-          </p:cNvPicPr>
-          <p:nvPr/>
-        </p:nvPicPr>
-        <p:blipFill>
-          <a:blip r:embed="rId2" cstate="print">
-            <a:extLst>
-              <a:ext uri="{28A0092B-C50C-407E-A947-70E740481C1C}">
-                <a14:useLocalDpi xmlns:a14="http://schemas.microsoft.com/office/drawing/2010/main" val="0"/>
-              </a:ext>
-            </a:extLst>
-          </a:blip>
-          <a:srcRect/>
-          <a:stretch>
-            <a:fillRect/>
-          </a:stretch>
-        </p:blipFill>
-        <p:spPr bwMode="auto">
-          <a:xfrm>
-            <a:off x="9693343" y="2277020"/>
-            <a:ext cx="2115404" cy="2115405"/>
-          </a:xfrm>
-          <a:prstGeom prst="rect">
-            <a:avLst/>
-          </a:prstGeom>
-          <a:noFill/>
-          <a:extLst>
-            <a:ext uri="{909E8E84-426E-40DD-AFC4-6F175D3DCCD1}">
-              <a14:hiddenFill xmlns:a14="http://schemas.microsoft.com/office/drawing/2010/main">
-                <a:solidFill>
-                  <a:srgbClr val="FFFFFF"/>
-                </a:solidFill>
-              </a14:hiddenFill>
-            </a:ext>
-          </a:extLst>
-        </p:spPr>
-      </p:pic>
-      <p:pic>
-        <p:nvPicPr>
-          <p:cNvPr id="5" name="Image 4"/>
-          <p:cNvPicPr>
-            <a:picLocks noChangeAspect="1"/>
-          </p:cNvPicPr>
-          <p:nvPr/>
-        </p:nvPicPr>
-        <p:blipFill>
-          <a:blip r:embed="rId3">
-            <a:extLst>
-              <a:ext uri="{28A0092B-C50C-407E-A947-70E740481C1C}">
-                <a14:useLocalDpi xmlns:a14="http://schemas.microsoft.com/office/drawing/2010/main" val="0"/>
-              </a:ext>
-            </a:extLst>
-          </a:blip>
-          <a:stretch>
-            <a:fillRect/>
-          </a:stretch>
-        </p:blipFill>
-        <p:spPr>
-          <a:xfrm>
-            <a:off x="9046743" y="3086309"/>
-            <a:ext cx="3408603" cy="496826"/>
-          </a:xfrm>
-          <a:prstGeom prst="rect">
-            <a:avLst/>
-          </a:prstGeom>
-          <a:effectLst>
-            <a:glow rad="63500">
-              <a:schemeClr val="bg1">
-                <a:alpha val="40000"/>
-              </a:schemeClr>
-            </a:glow>
-          </a:effectLst>
-        </p:spPr>
-      </p:pic>
-      <p:pic>
-        <p:nvPicPr>
           <p:cNvPr id="1028" name="Picture 4" descr="http://sebastienamar.com/images/scouap_diapo_ordinateur.png"/>
           <p:cNvPicPr>
             <a:picLocks noChangeAspect="1" noChangeArrowheads="1"/>
@@ -7634,7 +7556,7 @@
           <p:nvPr/>
         </p:nvPicPr>
         <p:blipFill>
-          <a:blip r:embed="rId4">
+          <a:blip r:embed="rId2">
             <a:extLst>
               <a:ext uri="{28A0092B-C50C-407E-A947-70E740481C1C}">
                 <a14:useLocalDpi xmlns:a14="http://schemas.microsoft.com/office/drawing/2010/main" val="0"/>
@@ -7675,7 +7597,7 @@
           <p:nvPr/>
         </p:nvPicPr>
         <p:blipFill rotWithShape="1">
-          <a:blip r:embed="rId5"/>
+          <a:blip r:embed="rId3"/>
           <a:srcRect t="9287" r="1828" b="5854"/>
           <a:stretch/>
         </p:blipFill>
@@ -7762,6 +7684,114 @@
           </a:p>
         </p:txBody>
       </p:sp>
+      <p:pic>
+        <p:nvPicPr>
+          <p:cNvPr id="7" name="Picture 2" descr="http://wiki.cyanogenmod.org/images/thumb/f/f6/Bacon.png/150px-Bacon.png"/>
+          <p:cNvPicPr>
+            <a:picLocks noChangeAspect="1" noChangeArrowheads="1"/>
+          </p:cNvPicPr>
+          <p:nvPr/>
+        </p:nvPicPr>
+        <p:blipFill>
+          <a:blip r:embed="rId4">
+            <a:extLst>
+              <a:ext uri="{28A0092B-C50C-407E-A947-70E740481C1C}">
+                <a14:useLocalDpi xmlns:a14="http://schemas.microsoft.com/office/drawing/2010/main" val="0"/>
+              </a:ext>
+            </a:extLst>
+          </a:blip>
+          <a:srcRect/>
+          <a:stretch>
+            <a:fillRect/>
+          </a:stretch>
+        </p:blipFill>
+        <p:spPr bwMode="auto">
+          <a:xfrm>
+            <a:off x="10171482" y="2157472"/>
+            <a:ext cx="848855" cy="1686393"/>
+          </a:xfrm>
+          <a:prstGeom prst="rect">
+            <a:avLst/>
+          </a:prstGeom>
+          <a:noFill/>
+          <a:extLst>
+            <a:ext uri="{909E8E84-426E-40DD-AFC4-6F175D3DCCD1}">
+              <a14:hiddenFill xmlns:a14="http://schemas.microsoft.com/office/drawing/2010/main">
+                <a:solidFill>
+                  <a:srgbClr val="FFFFFF"/>
+                </a:solidFill>
+              </a14:hiddenFill>
+            </a:ext>
+          </a:extLst>
+        </p:spPr>
+      </p:pic>
+      <p:pic>
+        <p:nvPicPr>
+          <p:cNvPr id="5" name="Image 4"/>
+          <p:cNvPicPr>
+            <a:picLocks noChangeAspect="1"/>
+          </p:cNvPicPr>
+          <p:nvPr/>
+        </p:nvPicPr>
+        <p:blipFill>
+          <a:blip r:embed="rId5">
+            <a:extLst>
+              <a:ext uri="{28A0092B-C50C-407E-A947-70E740481C1C}">
+                <a14:useLocalDpi xmlns:a14="http://schemas.microsoft.com/office/drawing/2010/main" val="0"/>
+              </a:ext>
+            </a:extLst>
+          </a:blip>
+          <a:stretch>
+            <a:fillRect/>
+          </a:stretch>
+        </p:blipFill>
+        <p:spPr>
+          <a:xfrm>
+            <a:off x="7362092" y="2118599"/>
+            <a:ext cx="3408603" cy="496826"/>
+          </a:xfrm>
+          <a:prstGeom prst="rect">
+            <a:avLst/>
+          </a:prstGeom>
+          <a:effectLst>
+            <a:glow rad="63500">
+              <a:schemeClr val="bg1">
+                <a:alpha val="40000"/>
+              </a:schemeClr>
+            </a:glow>
+          </a:effectLst>
+        </p:spPr>
+      </p:pic>
+      <p:pic>
+        <p:nvPicPr>
+          <p:cNvPr id="11" name="Image 10"/>
+          <p:cNvPicPr>
+            <a:picLocks noChangeAspect="1"/>
+          </p:cNvPicPr>
+          <p:nvPr/>
+        </p:nvPicPr>
+        <p:blipFill>
+          <a:blip r:embed="rId6" cstate="print">
+            <a:extLst>
+              <a:ext uri="{28A0092B-C50C-407E-A947-70E740481C1C}">
+                <a14:useLocalDpi xmlns:a14="http://schemas.microsoft.com/office/drawing/2010/main" val="0"/>
+              </a:ext>
+            </a:extLst>
+          </a:blip>
+          <a:stretch>
+            <a:fillRect/>
+          </a:stretch>
+        </p:blipFill>
+        <p:spPr>
+          <a:xfrm>
+            <a:off x="7057822" y="3730835"/>
+            <a:ext cx="1403652" cy="466265"/>
+          </a:xfrm>
+          <a:prstGeom prst="rect">
+            <a:avLst/>
+          </a:prstGeom>
+        </p:spPr>
+      </p:pic>
     </p:spTree>
     <p:extLst>
       <p:ext uri="{BB962C8B-B14F-4D97-AF65-F5344CB8AC3E}">
@@ -8236,6 +8266,47 @@
           </a:p>
         </p:txBody>
       </p:sp>
+      <p:pic>
+        <p:nvPicPr>
+          <p:cNvPr id="16" name="Picture 2" descr="http://www.zdrojak.cz/wp-content/uploads/2014/05/logo-json.png"/>
+          <p:cNvPicPr>
+            <a:picLocks noChangeAspect="1" noChangeArrowheads="1"/>
+          </p:cNvPicPr>
+          <p:nvPr/>
+        </p:nvPicPr>
+        <p:blipFill>
+          <a:blip r:embed="rId6" cstate="print">
+            <a:extLst>
+              <a:ext uri="{28A0092B-C50C-407E-A947-70E740481C1C}">
+                <a14:useLocalDpi xmlns:a14="http://schemas.microsoft.com/office/drawing/2010/main" val="0"/>
+              </a:ext>
+            </a:extLst>
+          </a:blip>
+          <a:srcRect/>
+          <a:stretch>
+            <a:fillRect/>
+          </a:stretch>
+        </p:blipFill>
+        <p:spPr bwMode="auto">
+          <a:xfrm>
+            <a:off x="5548436" y="5104423"/>
+            <a:ext cx="801057" cy="801057"/>
+          </a:xfrm>
+          <a:prstGeom prst="rect">
+            <a:avLst/>
+          </a:prstGeom>
+          <a:noFill/>
+          <a:extLst>
+            <a:ext uri="{909E8E84-426E-40DD-AFC4-6F175D3DCCD1}">
+              <a14:hiddenFill xmlns:a14="http://schemas.microsoft.com/office/drawing/2010/main">
+                <a:solidFill>
+                  <a:srgbClr val="FFFFFF"/>
+                </a:solidFill>
+              </a14:hiddenFill>
+            </a:ext>
+          </a:extLst>
+        </p:spPr>
+      </p:pic>
     </p:spTree>
     <p:extLst>
       <p:ext uri="{BB962C8B-B14F-4D97-AF65-F5344CB8AC3E}">
